--- a/1-2/CB1501010/Introduction to Electrical and Electronic Engineering/003/EE_2023_숙제2.pptx
+++ b/1-2/CB1501010/Introduction to Electrical and Electronic Engineering/003/EE_2023_숙제2.pptx
@@ -434,11 +434,6 @@
         </p:txBody>
       </p:sp>
     </p:spTree>
-    <p:extLst>
-      <p:ext uri="{BB962C8B-B14F-4D97-AF65-F5344CB8AC3E}">
-        <p14:creationId xmlns:p14="http://schemas.microsoft.com/office/powerpoint/2010/main" val="1"/>
-      </p:ext>
-    </p:extLst>
   </p:cSld>
   <p:clrMap bg1="lt1" tx1="dk1" bg2="lt2" tx2="dk2" accent1="accent1" accent2="accent2" accent3="accent3" accent4="accent4" accent5="accent5" accent6="accent6" hlink="hlink" folHlink="folHlink"/>
 </p:handoutMaster>
@@ -642,35 +637,35 @@
           <a:p>
             <a:pPr lvl="0"/>
             <a:r>
-              <a:rPr lang="ko-KR" altLang="en-US" noProof="0"/>
+              <a:rPr lang="ko-KR" altLang="en-US" noProof="0" smtClean="0"/>
               <a:t>마스터 텍스트 스타일을 편집합니다</a:t>
             </a:r>
           </a:p>
           <a:p>
             <a:pPr lvl="1"/>
             <a:r>
-              <a:rPr lang="ko-KR" altLang="en-US" noProof="0"/>
+              <a:rPr lang="ko-KR" altLang="en-US" noProof="0" smtClean="0"/>
               <a:t>둘째 수준</a:t>
             </a:r>
           </a:p>
           <a:p>
             <a:pPr lvl="2"/>
             <a:r>
-              <a:rPr lang="ko-KR" altLang="en-US" noProof="0"/>
+              <a:rPr lang="ko-KR" altLang="en-US" noProof="0" smtClean="0"/>
               <a:t>셋째 수준</a:t>
             </a:r>
           </a:p>
           <a:p>
             <a:pPr lvl="3"/>
             <a:r>
-              <a:rPr lang="ko-KR" altLang="en-US" noProof="0"/>
+              <a:rPr lang="ko-KR" altLang="en-US" noProof="0" smtClean="0"/>
               <a:t>넷째 수준</a:t>
             </a:r>
           </a:p>
           <a:p>
             <a:pPr lvl="4"/>
             <a:r>
-              <a:rPr lang="ko-KR" altLang="en-US" noProof="0"/>
+              <a:rPr lang="ko-KR" altLang="en-US" noProof="0" smtClean="0"/>
               <a:t>다섯째 수준</a:t>
             </a:r>
           </a:p>
@@ -1074,7 +1069,7 @@
             <a:pPr eaLnBrk="1" latinLnBrk="1" hangingPunct="1">
               <a:defRPr/>
             </a:pPr>
-            <a:endParaRPr lang="ko-KR" altLang="ko-KR" sz="1800">
+            <a:endParaRPr lang="ko-KR" altLang="ko-KR" sz="1800" smtClean="0">
               <a:solidFill>
                 <a:schemeClr val="bg1"/>
               </a:solidFill>
@@ -1399,14 +1394,14 @@
               <a:defRPr/>
             </a:pPr>
             <a:r>
-              <a:rPr lang="en-US" altLang="ko-KR" sz="1600" i="1">
+              <a:rPr lang="en-US" altLang="ko-KR" sz="1600" i="1" smtClean="0">
                 <a:solidFill>
                   <a:schemeClr val="bg1"/>
                 </a:solidFill>
               </a:rPr>
               <a:t>Pusan National University </a:t>
             </a:r>
-            <a:endParaRPr lang="en-US" altLang="ko-KR" sz="1000">
+            <a:endParaRPr lang="en-US" altLang="ko-KR" sz="1000" smtClean="0">
               <a:solidFill>
                 <a:schemeClr val="bg1"/>
               </a:solidFill>
@@ -1893,7 +1888,7 @@
               <a:defRPr/>
             </a:pPr>
             <a:r>
-              <a:rPr lang="en-US" altLang="ko-KR" sz="3400" i="1">
+              <a:rPr lang="en-US" altLang="ko-KR" sz="3400" i="1" smtClean="0">
                 <a:solidFill>
                   <a:srgbClr val="99CC00"/>
                 </a:solidFill>
@@ -2060,7 +2055,7 @@
               <a:defRPr/>
             </a:pPr>
             <a:r>
-              <a:rPr lang="en-US" altLang="ko-KR" sz="4600" i="1">
+              <a:rPr lang="en-US" altLang="ko-KR" sz="4600" i="1" smtClean="0">
                 <a:latin typeface="Arial Black" pitchFamily="34" charset="0"/>
               </a:rPr>
               <a:t>PNU</a:t>
@@ -2224,7 +2219,7 @@
               <a:defRPr/>
             </a:pPr>
             <a:r>
-              <a:rPr lang="en-US" altLang="ko-KR" sz="1600" i="1">
+              <a:rPr lang="en-US" altLang="ko-KR" sz="1600" i="1" smtClean="0">
                 <a:solidFill>
                   <a:schemeClr val="bg2"/>
                 </a:solidFill>
@@ -2233,7 +2228,7 @@
               <a:t> </a:t>
             </a:r>
             <a:r>
-              <a:rPr lang="ko-KR" altLang="en-US" sz="1600" i="1">
+              <a:rPr lang="ko-KR" altLang="en-US" sz="1600" i="1" smtClean="0">
                 <a:solidFill>
                   <a:schemeClr val="bg2"/>
                 </a:solidFill>
@@ -2357,18 +2352,7 @@
   <p:clrMapOvr>
     <a:masterClrMapping/>
   </p:clrMapOvr>
-  <mc:AlternateContent xmlns:mc="http://schemas.openxmlformats.org/markup-compatibility/2006">
-    <mc:Choice xmlns:p159="http://schemas.microsoft.com/office/powerpoint/2015/09/main" Requires="p159">
-      <p:transition>
-        <p159:morph option="byChar"/>
-      </p:transition>
-    </mc:Choice>
-    <mc:Fallback>
-      <p:transition>
-        <p:fade/>
-      </p:transition>
-    </mc:Fallback>
-  </mc:AlternateContent>
+  <p:transition spd="med"/>
 </p:sldLayout>
 </file>
 
@@ -2410,9 +2394,10 @@
           <a:lstStyle/>
           <a:p>
             <a:r>
-              <a:rPr lang="ko-KR" altLang="en-US"/>
+              <a:rPr lang="ko-KR" altLang="en-US" smtClean="0"/>
               <a:t>마스터 제목 스타일 편집</a:t>
             </a:r>
+            <a:endParaRPr lang="ko-KR" altLang="en-US"/>
           </a:p>
         </p:txBody>
       </p:sp>
@@ -2438,37 +2423,38 @@
           <a:p>
             <a:pPr lvl="0"/>
             <a:r>
-              <a:rPr lang="ko-KR" altLang="en-US"/>
+              <a:rPr lang="ko-KR" altLang="en-US" smtClean="0"/>
               <a:t>마스터 텍스트 스타일을 편집합니다</a:t>
             </a:r>
           </a:p>
           <a:p>
             <a:pPr lvl="1"/>
             <a:r>
-              <a:rPr lang="ko-KR" altLang="en-US"/>
+              <a:rPr lang="ko-KR" altLang="en-US" smtClean="0"/>
               <a:t>둘째 수준</a:t>
             </a:r>
           </a:p>
           <a:p>
             <a:pPr lvl="2"/>
             <a:r>
-              <a:rPr lang="ko-KR" altLang="en-US"/>
+              <a:rPr lang="ko-KR" altLang="en-US" smtClean="0"/>
               <a:t>셋째 수준</a:t>
             </a:r>
           </a:p>
           <a:p>
             <a:pPr lvl="3"/>
             <a:r>
-              <a:rPr lang="ko-KR" altLang="en-US"/>
+              <a:rPr lang="ko-KR" altLang="en-US" smtClean="0"/>
               <a:t>넷째 수준</a:t>
             </a:r>
           </a:p>
           <a:p>
             <a:pPr lvl="4"/>
             <a:r>
-              <a:rPr lang="ko-KR" altLang="en-US"/>
+              <a:rPr lang="ko-KR" altLang="en-US" smtClean="0"/>
               <a:t>다섯째 수준</a:t>
             </a:r>
+            <a:endParaRPr lang="ko-KR" altLang="en-US"/>
           </a:p>
         </p:txBody>
       </p:sp>
@@ -2482,18 +2468,7 @@
   <p:clrMapOvr>
     <a:masterClrMapping/>
   </p:clrMapOvr>
-  <mc:AlternateContent xmlns:mc="http://schemas.openxmlformats.org/markup-compatibility/2006">
-    <mc:Choice xmlns:p159="http://schemas.microsoft.com/office/powerpoint/2015/09/main" Requires="p159">
-      <p:transition>
-        <p159:morph option="byChar"/>
-      </p:transition>
-    </mc:Choice>
-    <mc:Fallback>
-      <p:transition>
-        <p:fade/>
-      </p:transition>
-    </mc:Fallback>
-  </mc:AlternateContent>
+  <p:transition spd="med"/>
 </p:sldLayout>
 </file>
 
@@ -2535,9 +2510,10 @@
           <a:lstStyle/>
           <a:p>
             <a:r>
-              <a:rPr lang="ko-KR" altLang="en-US"/>
+              <a:rPr lang="ko-KR" altLang="en-US" smtClean="0"/>
               <a:t>마스터 제목 스타일 편집</a:t>
             </a:r>
+            <a:endParaRPr lang="ko-KR" altLang="en-US"/>
           </a:p>
         </p:txBody>
       </p:sp>
@@ -2563,37 +2539,38 @@
           <a:p>
             <a:pPr lvl="0"/>
             <a:r>
-              <a:rPr lang="ko-KR" altLang="en-US"/>
+              <a:rPr lang="ko-KR" altLang="en-US" smtClean="0"/>
               <a:t>마스터 텍스트 스타일을 편집합니다</a:t>
             </a:r>
           </a:p>
           <a:p>
             <a:pPr lvl="1"/>
             <a:r>
-              <a:rPr lang="ko-KR" altLang="en-US"/>
+              <a:rPr lang="ko-KR" altLang="en-US" smtClean="0"/>
               <a:t>둘째 수준</a:t>
             </a:r>
           </a:p>
           <a:p>
             <a:pPr lvl="2"/>
             <a:r>
-              <a:rPr lang="ko-KR" altLang="en-US"/>
+              <a:rPr lang="ko-KR" altLang="en-US" smtClean="0"/>
               <a:t>셋째 수준</a:t>
             </a:r>
           </a:p>
           <a:p>
             <a:pPr lvl="3"/>
             <a:r>
-              <a:rPr lang="ko-KR" altLang="en-US"/>
+              <a:rPr lang="ko-KR" altLang="en-US" smtClean="0"/>
               <a:t>넷째 수준</a:t>
             </a:r>
           </a:p>
           <a:p>
             <a:pPr lvl="4"/>
             <a:r>
-              <a:rPr lang="ko-KR" altLang="en-US"/>
+              <a:rPr lang="ko-KR" altLang="en-US" smtClean="0"/>
               <a:t>다섯째 수준</a:t>
             </a:r>
+            <a:endParaRPr lang="ko-KR" altLang="en-US"/>
           </a:p>
         </p:txBody>
       </p:sp>
@@ -2619,37 +2596,38 @@
           <a:p>
             <a:pPr lvl="0"/>
             <a:r>
-              <a:rPr lang="ko-KR" altLang="en-US"/>
+              <a:rPr lang="ko-KR" altLang="en-US" smtClean="0"/>
               <a:t>마스터 텍스트 스타일을 편집합니다</a:t>
             </a:r>
           </a:p>
           <a:p>
             <a:pPr lvl="1"/>
             <a:r>
-              <a:rPr lang="ko-KR" altLang="en-US"/>
+              <a:rPr lang="ko-KR" altLang="en-US" smtClean="0"/>
               <a:t>둘째 수준</a:t>
             </a:r>
           </a:p>
           <a:p>
             <a:pPr lvl="2"/>
             <a:r>
-              <a:rPr lang="ko-KR" altLang="en-US"/>
+              <a:rPr lang="ko-KR" altLang="en-US" smtClean="0"/>
               <a:t>셋째 수준</a:t>
             </a:r>
           </a:p>
           <a:p>
             <a:pPr lvl="3"/>
             <a:r>
-              <a:rPr lang="ko-KR" altLang="en-US"/>
+              <a:rPr lang="ko-KR" altLang="en-US" smtClean="0"/>
               <a:t>넷째 수준</a:t>
             </a:r>
           </a:p>
           <a:p>
             <a:pPr lvl="4"/>
             <a:r>
-              <a:rPr lang="ko-KR" altLang="en-US"/>
+              <a:rPr lang="ko-KR" altLang="en-US" smtClean="0"/>
               <a:t>다섯째 수준</a:t>
             </a:r>
+            <a:endParaRPr lang="ko-KR" altLang="en-US"/>
           </a:p>
         </p:txBody>
       </p:sp>
@@ -2663,18 +2641,7 @@
   <p:clrMapOvr>
     <a:masterClrMapping/>
   </p:clrMapOvr>
-  <mc:AlternateContent xmlns:mc="http://schemas.openxmlformats.org/markup-compatibility/2006">
-    <mc:Choice xmlns:p159="http://schemas.microsoft.com/office/powerpoint/2015/09/main" Requires="p159">
-      <p:transition>
-        <p159:morph option="byChar"/>
-      </p:transition>
-    </mc:Choice>
-    <mc:Fallback>
-      <p:transition>
-        <p:fade/>
-      </p:transition>
-    </mc:Fallback>
-  </mc:AlternateContent>
+  <p:transition spd="med"/>
 </p:sldLayout>
 </file>
 
@@ -2716,9 +2683,10 @@
           <a:lstStyle/>
           <a:p>
             <a:r>
-              <a:rPr lang="ko-KR" altLang="en-US"/>
+              <a:rPr lang="ko-KR" altLang="en-US" smtClean="0"/>
               <a:t>마스터 제목 스타일 편집</a:t>
             </a:r>
+            <a:endParaRPr lang="ko-KR" altLang="en-US"/>
           </a:p>
         </p:txBody>
       </p:sp>
@@ -2744,37 +2712,38 @@
           <a:p>
             <a:pPr lvl="0"/>
             <a:r>
-              <a:rPr lang="ko-KR" altLang="en-US"/>
+              <a:rPr lang="ko-KR" altLang="en-US" smtClean="0"/>
               <a:t>마스터 텍스트 스타일을 편집합니다</a:t>
             </a:r>
           </a:p>
           <a:p>
             <a:pPr lvl="1"/>
             <a:r>
-              <a:rPr lang="ko-KR" altLang="en-US"/>
+              <a:rPr lang="ko-KR" altLang="en-US" smtClean="0"/>
               <a:t>둘째 수준</a:t>
             </a:r>
           </a:p>
           <a:p>
             <a:pPr lvl="2"/>
             <a:r>
-              <a:rPr lang="ko-KR" altLang="en-US"/>
+              <a:rPr lang="ko-KR" altLang="en-US" smtClean="0"/>
               <a:t>셋째 수준</a:t>
             </a:r>
           </a:p>
           <a:p>
             <a:pPr lvl="3"/>
             <a:r>
-              <a:rPr lang="ko-KR" altLang="en-US"/>
+              <a:rPr lang="ko-KR" altLang="en-US" smtClean="0"/>
               <a:t>넷째 수준</a:t>
             </a:r>
           </a:p>
           <a:p>
             <a:pPr lvl="4"/>
             <a:r>
-              <a:rPr lang="ko-KR" altLang="en-US"/>
+              <a:rPr lang="ko-KR" altLang="en-US" smtClean="0"/>
               <a:t>다섯째 수준</a:t>
             </a:r>
+            <a:endParaRPr lang="ko-KR" altLang="en-US"/>
           </a:p>
         </p:txBody>
       </p:sp>
@@ -2800,37 +2769,38 @@
           <a:p>
             <a:pPr lvl="0"/>
             <a:r>
-              <a:rPr lang="ko-KR" altLang="en-US"/>
+              <a:rPr lang="ko-KR" altLang="en-US" smtClean="0"/>
               <a:t>마스터 텍스트 스타일을 편집합니다</a:t>
             </a:r>
           </a:p>
           <a:p>
             <a:pPr lvl="1"/>
             <a:r>
-              <a:rPr lang="ko-KR" altLang="en-US"/>
+              <a:rPr lang="ko-KR" altLang="en-US" smtClean="0"/>
               <a:t>둘째 수준</a:t>
             </a:r>
           </a:p>
           <a:p>
             <a:pPr lvl="2"/>
             <a:r>
-              <a:rPr lang="ko-KR" altLang="en-US"/>
+              <a:rPr lang="ko-KR" altLang="en-US" smtClean="0"/>
               <a:t>셋째 수준</a:t>
             </a:r>
           </a:p>
           <a:p>
             <a:pPr lvl="3"/>
             <a:r>
-              <a:rPr lang="ko-KR" altLang="en-US"/>
+              <a:rPr lang="ko-KR" altLang="en-US" smtClean="0"/>
               <a:t>넷째 수준</a:t>
             </a:r>
           </a:p>
           <a:p>
             <a:pPr lvl="4"/>
             <a:r>
-              <a:rPr lang="ko-KR" altLang="en-US"/>
+              <a:rPr lang="ko-KR" altLang="en-US" smtClean="0"/>
               <a:t>다섯째 수준</a:t>
             </a:r>
+            <a:endParaRPr lang="ko-KR" altLang="en-US"/>
           </a:p>
         </p:txBody>
       </p:sp>
@@ -2856,37 +2826,38 @@
           <a:p>
             <a:pPr lvl="0"/>
             <a:r>
-              <a:rPr lang="ko-KR" altLang="en-US"/>
+              <a:rPr lang="ko-KR" altLang="en-US" smtClean="0"/>
               <a:t>마스터 텍스트 스타일을 편집합니다</a:t>
             </a:r>
           </a:p>
           <a:p>
             <a:pPr lvl="1"/>
             <a:r>
-              <a:rPr lang="ko-KR" altLang="en-US"/>
+              <a:rPr lang="ko-KR" altLang="en-US" smtClean="0"/>
               <a:t>둘째 수준</a:t>
             </a:r>
           </a:p>
           <a:p>
             <a:pPr lvl="2"/>
             <a:r>
-              <a:rPr lang="ko-KR" altLang="en-US"/>
+              <a:rPr lang="ko-KR" altLang="en-US" smtClean="0"/>
               <a:t>셋째 수준</a:t>
             </a:r>
           </a:p>
           <a:p>
             <a:pPr lvl="3"/>
             <a:r>
-              <a:rPr lang="ko-KR" altLang="en-US"/>
+              <a:rPr lang="ko-KR" altLang="en-US" smtClean="0"/>
               <a:t>넷째 수준</a:t>
             </a:r>
           </a:p>
           <a:p>
             <a:pPr lvl="4"/>
             <a:r>
-              <a:rPr lang="ko-KR" altLang="en-US"/>
+              <a:rPr lang="ko-KR" altLang="en-US" smtClean="0"/>
               <a:t>다섯째 수준</a:t>
             </a:r>
+            <a:endParaRPr lang="ko-KR" altLang="en-US"/>
           </a:p>
         </p:txBody>
       </p:sp>
@@ -2900,18 +2871,7 @@
   <p:clrMapOvr>
     <a:masterClrMapping/>
   </p:clrMapOvr>
-  <mc:AlternateContent xmlns:mc="http://schemas.openxmlformats.org/markup-compatibility/2006">
-    <mc:Choice xmlns:p159="http://schemas.microsoft.com/office/powerpoint/2015/09/main" Requires="p159">
-      <p:transition>
-        <p159:morph option="byChar"/>
-      </p:transition>
-    </mc:Choice>
-    <mc:Fallback>
-      <p:transition>
-        <p:fade/>
-      </p:transition>
-    </mc:Fallback>
-  </mc:AlternateContent>
+  <p:transition spd="med"/>
 </p:sldLayout>
 </file>
 
@@ -2953,9 +2913,10 @@
           <a:lstStyle/>
           <a:p>
             <a:r>
-              <a:rPr lang="ko-KR" altLang="en-US"/>
+              <a:rPr lang="ko-KR" altLang="en-US" smtClean="0"/>
               <a:t>마스터 제목 스타일 편집</a:t>
             </a:r>
+            <a:endParaRPr lang="ko-KR" altLang="en-US"/>
           </a:p>
         </p:txBody>
       </p:sp>
@@ -3017,9 +2978,10 @@
           </a:lstStyle>
           <a:p>
             <a:r>
-              <a:rPr lang="ko-KR" altLang="en-US"/>
+              <a:rPr lang="ko-KR" altLang="en-US" smtClean="0"/>
               <a:t>마스터 부제목 스타일 편집</a:t>
             </a:r>
+            <a:endParaRPr lang="ko-KR" altLang="en-US"/>
           </a:p>
         </p:txBody>
       </p:sp>
@@ -3033,18 +2995,7 @@
   <p:clrMapOvr>
     <a:masterClrMapping/>
   </p:clrMapOvr>
-  <mc:AlternateContent xmlns:mc="http://schemas.openxmlformats.org/markup-compatibility/2006">
-    <mc:Choice xmlns:p159="http://schemas.microsoft.com/office/powerpoint/2015/09/main" Requires="p159">
-      <p:transition>
-        <p159:morph option="byChar"/>
-      </p:transition>
-    </mc:Choice>
-    <mc:Fallback>
-      <p:transition>
-        <p:fade/>
-      </p:transition>
-    </mc:Fallback>
-  </mc:AlternateContent>
+  <p:transition spd="med"/>
 </p:sldLayout>
 </file>
 
@@ -3081,9 +3032,10 @@
           <a:lstStyle/>
           <a:p>
             <a:r>
-              <a:rPr lang="ko-KR" altLang="en-US"/>
+              <a:rPr lang="ko-KR" altLang="en-US" smtClean="0"/>
               <a:t>마스터 제목 스타일 편집</a:t>
             </a:r>
+            <a:endParaRPr lang="ko-KR" altLang="en-US"/>
           </a:p>
         </p:txBody>
       </p:sp>
@@ -3104,37 +3056,38 @@
           <a:p>
             <a:pPr lvl="0"/>
             <a:r>
-              <a:rPr lang="ko-KR" altLang="en-US"/>
+              <a:rPr lang="ko-KR" altLang="en-US" smtClean="0"/>
               <a:t>마스터 텍스트 스타일을 편집합니다</a:t>
             </a:r>
           </a:p>
           <a:p>
             <a:pPr lvl="1"/>
             <a:r>
-              <a:rPr lang="ko-KR" altLang="en-US"/>
+              <a:rPr lang="ko-KR" altLang="en-US" smtClean="0"/>
               <a:t>둘째 수준</a:t>
             </a:r>
           </a:p>
           <a:p>
             <a:pPr lvl="2"/>
             <a:r>
-              <a:rPr lang="ko-KR" altLang="en-US"/>
+              <a:rPr lang="ko-KR" altLang="en-US" smtClean="0"/>
               <a:t>셋째 수준</a:t>
             </a:r>
           </a:p>
           <a:p>
             <a:pPr lvl="3"/>
             <a:r>
-              <a:rPr lang="ko-KR" altLang="en-US"/>
+              <a:rPr lang="ko-KR" altLang="en-US" smtClean="0"/>
               <a:t>넷째 수준</a:t>
             </a:r>
           </a:p>
           <a:p>
             <a:pPr lvl="4"/>
             <a:r>
-              <a:rPr lang="ko-KR" altLang="en-US"/>
+              <a:rPr lang="ko-KR" altLang="en-US" smtClean="0"/>
               <a:t>다섯째 수준</a:t>
             </a:r>
+            <a:endParaRPr lang="ko-KR" altLang="en-US"/>
           </a:p>
         </p:txBody>
       </p:sp>
@@ -3148,18 +3101,7 @@
   <p:clrMapOvr>
     <a:masterClrMapping/>
   </p:clrMapOvr>
-  <mc:AlternateContent xmlns:mc="http://schemas.openxmlformats.org/markup-compatibility/2006">
-    <mc:Choice xmlns:p159="http://schemas.microsoft.com/office/powerpoint/2015/09/main" Requires="p159">
-      <p:transition>
-        <p159:morph option="byChar"/>
-      </p:transition>
-    </mc:Choice>
-    <mc:Fallback>
-      <p:transition>
-        <p:fade/>
-      </p:transition>
-    </mc:Fallback>
-  </mc:AlternateContent>
+  <p:transition spd="med"/>
 </p:sldLayout>
 </file>
 
@@ -3205,9 +3147,10 @@
           </a:lstStyle>
           <a:p>
             <a:r>
-              <a:rPr lang="ko-KR" altLang="en-US"/>
+              <a:rPr lang="ko-KR" altLang="en-US" smtClean="0"/>
               <a:t>마스터 제목 스타일 편집</a:t>
             </a:r>
+            <a:endParaRPr lang="ko-KR" altLang="en-US"/>
           </a:p>
         </p:txBody>
       </p:sp>
@@ -3270,7 +3213,7 @@
           <a:p>
             <a:pPr lvl="0"/>
             <a:r>
-              <a:rPr lang="ko-KR" altLang="en-US"/>
+              <a:rPr lang="ko-KR" altLang="en-US" smtClean="0"/>
               <a:t>마스터 텍스트 스타일을 편집합니다</a:t>
             </a:r>
           </a:p>
@@ -3286,18 +3229,7 @@
   <p:clrMapOvr>
     <a:masterClrMapping/>
   </p:clrMapOvr>
-  <mc:AlternateContent xmlns:mc="http://schemas.openxmlformats.org/markup-compatibility/2006">
-    <mc:Choice xmlns:p159="http://schemas.microsoft.com/office/powerpoint/2015/09/main" Requires="p159">
-      <p:transition>
-        <p159:morph option="byChar"/>
-      </p:transition>
-    </mc:Choice>
-    <mc:Fallback>
-      <p:transition>
-        <p:fade/>
-      </p:transition>
-    </mc:Fallback>
-  </mc:AlternateContent>
+  <p:transition spd="med"/>
 </p:sldLayout>
 </file>
 
@@ -3334,9 +3266,10 @@
           <a:lstStyle/>
           <a:p>
             <a:r>
-              <a:rPr lang="ko-KR" altLang="en-US"/>
+              <a:rPr lang="ko-KR" altLang="en-US" smtClean="0"/>
               <a:t>마스터 제목 스타일 편집</a:t>
             </a:r>
+            <a:endParaRPr lang="ko-KR" altLang="en-US"/>
           </a:p>
         </p:txBody>
       </p:sp>
@@ -3390,37 +3323,38 @@
           <a:p>
             <a:pPr lvl="0"/>
             <a:r>
-              <a:rPr lang="ko-KR" altLang="en-US"/>
+              <a:rPr lang="ko-KR" altLang="en-US" smtClean="0"/>
               <a:t>마스터 텍스트 스타일을 편집합니다</a:t>
             </a:r>
           </a:p>
           <a:p>
             <a:pPr lvl="1"/>
             <a:r>
-              <a:rPr lang="ko-KR" altLang="en-US"/>
+              <a:rPr lang="ko-KR" altLang="en-US" smtClean="0"/>
               <a:t>둘째 수준</a:t>
             </a:r>
           </a:p>
           <a:p>
             <a:pPr lvl="2"/>
             <a:r>
-              <a:rPr lang="ko-KR" altLang="en-US"/>
+              <a:rPr lang="ko-KR" altLang="en-US" smtClean="0"/>
               <a:t>셋째 수준</a:t>
             </a:r>
           </a:p>
           <a:p>
             <a:pPr lvl="3"/>
             <a:r>
-              <a:rPr lang="ko-KR" altLang="en-US"/>
+              <a:rPr lang="ko-KR" altLang="en-US" smtClean="0"/>
               <a:t>넷째 수준</a:t>
             </a:r>
           </a:p>
           <a:p>
             <a:pPr lvl="4"/>
             <a:r>
-              <a:rPr lang="ko-KR" altLang="en-US"/>
+              <a:rPr lang="ko-KR" altLang="en-US" smtClean="0"/>
               <a:t>다섯째 수준</a:t>
             </a:r>
+            <a:endParaRPr lang="ko-KR" altLang="en-US"/>
           </a:p>
         </p:txBody>
       </p:sp>
@@ -3474,37 +3408,38 @@
           <a:p>
             <a:pPr lvl="0"/>
             <a:r>
-              <a:rPr lang="ko-KR" altLang="en-US"/>
+              <a:rPr lang="ko-KR" altLang="en-US" smtClean="0"/>
               <a:t>마스터 텍스트 스타일을 편집합니다</a:t>
             </a:r>
           </a:p>
           <a:p>
             <a:pPr lvl="1"/>
             <a:r>
-              <a:rPr lang="ko-KR" altLang="en-US"/>
+              <a:rPr lang="ko-KR" altLang="en-US" smtClean="0"/>
               <a:t>둘째 수준</a:t>
             </a:r>
           </a:p>
           <a:p>
             <a:pPr lvl="2"/>
             <a:r>
-              <a:rPr lang="ko-KR" altLang="en-US"/>
+              <a:rPr lang="ko-KR" altLang="en-US" smtClean="0"/>
               <a:t>셋째 수준</a:t>
             </a:r>
           </a:p>
           <a:p>
             <a:pPr lvl="3"/>
             <a:r>
-              <a:rPr lang="ko-KR" altLang="en-US"/>
+              <a:rPr lang="ko-KR" altLang="en-US" smtClean="0"/>
               <a:t>넷째 수준</a:t>
             </a:r>
           </a:p>
           <a:p>
             <a:pPr lvl="4"/>
             <a:r>
-              <a:rPr lang="ko-KR" altLang="en-US"/>
+              <a:rPr lang="ko-KR" altLang="en-US" smtClean="0"/>
               <a:t>다섯째 수준</a:t>
             </a:r>
+            <a:endParaRPr lang="ko-KR" altLang="en-US"/>
           </a:p>
         </p:txBody>
       </p:sp>
@@ -3518,18 +3453,7 @@
   <p:clrMapOvr>
     <a:masterClrMapping/>
   </p:clrMapOvr>
-  <mc:AlternateContent xmlns:mc="http://schemas.openxmlformats.org/markup-compatibility/2006">
-    <mc:Choice xmlns:p159="http://schemas.microsoft.com/office/powerpoint/2015/09/main" Requires="p159">
-      <p:transition>
-        <p159:morph option="byChar"/>
-      </p:transition>
-    </mc:Choice>
-    <mc:Fallback>
-      <p:transition>
-        <p:fade/>
-      </p:transition>
-    </mc:Fallback>
-  </mc:AlternateContent>
+  <p:transition spd="med"/>
 </p:sldLayout>
 </file>
 
@@ -3575,9 +3499,10 @@
           </a:lstStyle>
           <a:p>
             <a:r>
-              <a:rPr lang="ko-KR" altLang="en-US"/>
+              <a:rPr lang="ko-KR" altLang="en-US" smtClean="0"/>
               <a:t>마스터 제목 스타일 편집</a:t>
             </a:r>
+            <a:endParaRPr lang="ko-KR" altLang="en-US"/>
           </a:p>
         </p:txBody>
       </p:sp>
@@ -3640,7 +3565,7 @@
           <a:p>
             <a:pPr lvl="0"/>
             <a:r>
-              <a:rPr lang="ko-KR" altLang="en-US"/>
+              <a:rPr lang="ko-KR" altLang="en-US" smtClean="0"/>
               <a:t>마스터 텍스트 스타일을 편집합니다</a:t>
             </a:r>
           </a:p>
@@ -3696,37 +3621,38 @@
           <a:p>
             <a:pPr lvl="0"/>
             <a:r>
-              <a:rPr lang="ko-KR" altLang="en-US"/>
+              <a:rPr lang="ko-KR" altLang="en-US" smtClean="0"/>
               <a:t>마스터 텍스트 스타일을 편집합니다</a:t>
             </a:r>
           </a:p>
           <a:p>
             <a:pPr lvl="1"/>
             <a:r>
-              <a:rPr lang="ko-KR" altLang="en-US"/>
+              <a:rPr lang="ko-KR" altLang="en-US" smtClean="0"/>
               <a:t>둘째 수준</a:t>
             </a:r>
           </a:p>
           <a:p>
             <a:pPr lvl="2"/>
             <a:r>
-              <a:rPr lang="ko-KR" altLang="en-US"/>
+              <a:rPr lang="ko-KR" altLang="en-US" smtClean="0"/>
               <a:t>셋째 수준</a:t>
             </a:r>
           </a:p>
           <a:p>
             <a:pPr lvl="3"/>
             <a:r>
-              <a:rPr lang="ko-KR" altLang="en-US"/>
+              <a:rPr lang="ko-KR" altLang="en-US" smtClean="0"/>
               <a:t>넷째 수준</a:t>
             </a:r>
           </a:p>
           <a:p>
             <a:pPr lvl="4"/>
             <a:r>
-              <a:rPr lang="ko-KR" altLang="en-US"/>
+              <a:rPr lang="ko-KR" altLang="en-US" smtClean="0"/>
               <a:t>다섯째 수준</a:t>
             </a:r>
+            <a:endParaRPr lang="ko-KR" altLang="en-US"/>
           </a:p>
         </p:txBody>
       </p:sp>
@@ -3789,7 +3715,7 @@
           <a:p>
             <a:pPr lvl="0"/>
             <a:r>
-              <a:rPr lang="ko-KR" altLang="en-US"/>
+              <a:rPr lang="ko-KR" altLang="en-US" smtClean="0"/>
               <a:t>마스터 텍스트 스타일을 편집합니다</a:t>
             </a:r>
           </a:p>
@@ -3845,37 +3771,38 @@
           <a:p>
             <a:pPr lvl="0"/>
             <a:r>
-              <a:rPr lang="ko-KR" altLang="en-US"/>
+              <a:rPr lang="ko-KR" altLang="en-US" smtClean="0"/>
               <a:t>마스터 텍스트 스타일을 편집합니다</a:t>
             </a:r>
           </a:p>
           <a:p>
             <a:pPr lvl="1"/>
             <a:r>
-              <a:rPr lang="ko-KR" altLang="en-US"/>
+              <a:rPr lang="ko-KR" altLang="en-US" smtClean="0"/>
               <a:t>둘째 수준</a:t>
             </a:r>
           </a:p>
           <a:p>
             <a:pPr lvl="2"/>
             <a:r>
-              <a:rPr lang="ko-KR" altLang="en-US"/>
+              <a:rPr lang="ko-KR" altLang="en-US" smtClean="0"/>
               <a:t>셋째 수준</a:t>
             </a:r>
           </a:p>
           <a:p>
             <a:pPr lvl="3"/>
             <a:r>
-              <a:rPr lang="ko-KR" altLang="en-US"/>
+              <a:rPr lang="ko-KR" altLang="en-US" smtClean="0"/>
               <a:t>넷째 수준</a:t>
             </a:r>
           </a:p>
           <a:p>
             <a:pPr lvl="4"/>
             <a:r>
-              <a:rPr lang="ko-KR" altLang="en-US"/>
+              <a:rPr lang="ko-KR" altLang="en-US" smtClean="0"/>
               <a:t>다섯째 수준</a:t>
             </a:r>
+            <a:endParaRPr lang="ko-KR" altLang="en-US"/>
           </a:p>
         </p:txBody>
       </p:sp>
@@ -3889,18 +3816,7 @@
   <p:clrMapOvr>
     <a:masterClrMapping/>
   </p:clrMapOvr>
-  <mc:AlternateContent xmlns:mc="http://schemas.openxmlformats.org/markup-compatibility/2006">
-    <mc:Choice xmlns:p159="http://schemas.microsoft.com/office/powerpoint/2015/09/main" Requires="p159">
-      <p:transition>
-        <p159:morph option="byChar"/>
-      </p:transition>
-    </mc:Choice>
-    <mc:Fallback>
-      <p:transition>
-        <p:fade/>
-      </p:transition>
-    </mc:Fallback>
-  </mc:AlternateContent>
+  <p:transition spd="med"/>
 </p:sldLayout>
 </file>
 
@@ -3937,9 +3853,10 @@
           <a:lstStyle/>
           <a:p>
             <a:r>
-              <a:rPr lang="ko-KR" altLang="en-US"/>
+              <a:rPr lang="ko-KR" altLang="en-US" smtClean="0"/>
               <a:t>마스터 제목 스타일 편집</a:t>
             </a:r>
+            <a:endParaRPr lang="ko-KR" altLang="en-US"/>
           </a:p>
         </p:txBody>
       </p:sp>
@@ -3953,18 +3870,7 @@
   <p:clrMapOvr>
     <a:masterClrMapping/>
   </p:clrMapOvr>
-  <mc:AlternateContent xmlns:mc="http://schemas.openxmlformats.org/markup-compatibility/2006">
-    <mc:Choice xmlns:p159="http://schemas.microsoft.com/office/powerpoint/2015/09/main" Requires="p159">
-      <p:transition>
-        <p159:morph option="byChar"/>
-      </p:transition>
-    </mc:Choice>
-    <mc:Fallback>
-      <p:transition>
-        <p:fade/>
-      </p:transition>
-    </mc:Fallback>
-  </mc:AlternateContent>
+  <p:transition spd="med"/>
 </p:sldLayout>
 </file>
 
@@ -3995,18 +3901,7 @@
   <p:clrMapOvr>
     <a:masterClrMapping/>
   </p:clrMapOvr>
-  <mc:AlternateContent xmlns:mc="http://schemas.openxmlformats.org/markup-compatibility/2006">
-    <mc:Choice xmlns:p159="http://schemas.microsoft.com/office/powerpoint/2015/09/main" Requires="p159">
-      <p:transition>
-        <p159:morph option="byChar"/>
-      </p:transition>
-    </mc:Choice>
-    <mc:Fallback>
-      <p:transition>
-        <p:fade/>
-      </p:transition>
-    </mc:Fallback>
-  </mc:AlternateContent>
+  <p:transition spd="med"/>
 </p:sldLayout>
 </file>
 
@@ -4083,9 +3978,10 @@
           </a:lstStyle>
           <a:p>
             <a:r>
-              <a:rPr lang="ko-KR" altLang="en-US"/>
+              <a:rPr lang="ko-KR" altLang="en-US" smtClean="0"/>
               <a:t>마스터 제목 스타일 편집</a:t>
             </a:r>
+            <a:endParaRPr lang="ko-KR" altLang="en-US"/>
           </a:p>
         </p:txBody>
       </p:sp>
@@ -4142,37 +4038,38 @@
           <a:p>
             <a:pPr lvl="0"/>
             <a:r>
-              <a:rPr lang="ko-KR" altLang="en-US" dirty="0"/>
+              <a:rPr lang="ko-KR" altLang="en-US" dirty="0" smtClean="0"/>
               <a:t>마스터 텍스트 스타일을 편집합니다</a:t>
             </a:r>
           </a:p>
           <a:p>
             <a:pPr lvl="1"/>
             <a:r>
-              <a:rPr lang="ko-KR" altLang="en-US" dirty="0"/>
+              <a:rPr lang="ko-KR" altLang="en-US" dirty="0" smtClean="0"/>
               <a:t>둘째 수준</a:t>
             </a:r>
           </a:p>
           <a:p>
             <a:pPr lvl="2"/>
             <a:r>
-              <a:rPr lang="ko-KR" altLang="en-US" dirty="0"/>
+              <a:rPr lang="ko-KR" altLang="en-US" dirty="0" smtClean="0"/>
               <a:t>셋째 수준</a:t>
             </a:r>
           </a:p>
           <a:p>
             <a:pPr lvl="3"/>
             <a:r>
-              <a:rPr lang="ko-KR" altLang="en-US" dirty="0"/>
+              <a:rPr lang="ko-KR" altLang="en-US" dirty="0" smtClean="0"/>
               <a:t>넷째 수준</a:t>
             </a:r>
           </a:p>
           <a:p>
             <a:pPr lvl="4"/>
             <a:r>
-              <a:rPr lang="ko-KR" altLang="en-US" dirty="0"/>
+              <a:rPr lang="ko-KR" altLang="en-US" dirty="0" smtClean="0"/>
               <a:t>다섯째 수준</a:t>
             </a:r>
+            <a:endParaRPr lang="ko-KR" altLang="en-US" dirty="0"/>
           </a:p>
         </p:txBody>
       </p:sp>
@@ -4186,18 +4083,7 @@
   <p:clrMapOvr>
     <a:masterClrMapping/>
   </p:clrMapOvr>
-  <mc:AlternateContent xmlns:mc="http://schemas.openxmlformats.org/markup-compatibility/2006">
-    <mc:Choice xmlns:p159="http://schemas.microsoft.com/office/powerpoint/2015/09/main" Requires="p159">
-      <p:transition>
-        <p159:morph option="byChar"/>
-      </p:transition>
-    </mc:Choice>
-    <mc:Fallback>
-      <p:transition>
-        <p:fade/>
-      </p:transition>
-    </mc:Fallback>
-  </mc:AlternateContent>
+  <p:transition spd="med"/>
 </p:sldLayout>
 </file>
 
@@ -4243,9 +4129,10 @@
           </a:lstStyle>
           <a:p>
             <a:r>
-              <a:rPr lang="ko-KR" altLang="en-US"/>
+              <a:rPr lang="ko-KR" altLang="en-US" smtClean="0"/>
               <a:t>마스터 제목 스타일 편집</a:t>
             </a:r>
+            <a:endParaRPr lang="ko-KR" altLang="en-US"/>
           </a:p>
         </p:txBody>
       </p:sp>
@@ -4299,37 +4186,38 @@
           <a:p>
             <a:pPr lvl="0"/>
             <a:r>
-              <a:rPr lang="ko-KR" altLang="en-US"/>
+              <a:rPr lang="ko-KR" altLang="en-US" smtClean="0"/>
               <a:t>마스터 텍스트 스타일을 편집합니다</a:t>
             </a:r>
           </a:p>
           <a:p>
             <a:pPr lvl="1"/>
             <a:r>
-              <a:rPr lang="ko-KR" altLang="en-US"/>
+              <a:rPr lang="ko-KR" altLang="en-US" smtClean="0"/>
               <a:t>둘째 수준</a:t>
             </a:r>
           </a:p>
           <a:p>
             <a:pPr lvl="2"/>
             <a:r>
-              <a:rPr lang="ko-KR" altLang="en-US"/>
+              <a:rPr lang="ko-KR" altLang="en-US" smtClean="0"/>
               <a:t>셋째 수준</a:t>
             </a:r>
           </a:p>
           <a:p>
             <a:pPr lvl="3"/>
             <a:r>
-              <a:rPr lang="ko-KR" altLang="en-US"/>
+              <a:rPr lang="ko-KR" altLang="en-US" smtClean="0"/>
               <a:t>넷째 수준</a:t>
             </a:r>
           </a:p>
           <a:p>
             <a:pPr lvl="4"/>
             <a:r>
-              <a:rPr lang="ko-KR" altLang="en-US"/>
+              <a:rPr lang="ko-KR" altLang="en-US" smtClean="0"/>
               <a:t>다섯째 수준</a:t>
             </a:r>
+            <a:endParaRPr lang="ko-KR" altLang="en-US"/>
           </a:p>
         </p:txBody>
       </p:sp>
@@ -4392,7 +4280,7 @@
           <a:p>
             <a:pPr lvl="0"/>
             <a:r>
-              <a:rPr lang="ko-KR" altLang="en-US"/>
+              <a:rPr lang="ko-KR" altLang="en-US" smtClean="0"/>
               <a:t>마스터 텍스트 스타일을 편집합니다</a:t>
             </a:r>
           </a:p>
@@ -4408,18 +4296,7 @@
   <p:clrMapOvr>
     <a:masterClrMapping/>
   </p:clrMapOvr>
-  <mc:AlternateContent xmlns:mc="http://schemas.openxmlformats.org/markup-compatibility/2006">
-    <mc:Choice xmlns:p159="http://schemas.microsoft.com/office/powerpoint/2015/09/main" Requires="p159">
-      <p:transition>
-        <p159:morph option="byChar"/>
-      </p:transition>
-    </mc:Choice>
-    <mc:Fallback>
-      <p:transition>
-        <p:fade/>
-      </p:transition>
-    </mc:Fallback>
-  </mc:AlternateContent>
+  <p:transition spd="med"/>
 </p:sldLayout>
 </file>
 
@@ -4465,9 +4342,10 @@
           </a:lstStyle>
           <a:p>
             <a:r>
-              <a:rPr lang="ko-KR" altLang="en-US"/>
+              <a:rPr lang="ko-KR" altLang="en-US" smtClean="0"/>
               <a:t>마스터 제목 스타일 편집</a:t>
             </a:r>
+            <a:endParaRPr lang="ko-KR" altLang="en-US"/>
           </a:p>
         </p:txBody>
       </p:sp>
@@ -4529,7 +4407,7 @@
           </a:lstStyle>
           <a:p>
             <a:pPr lvl="0"/>
-            <a:endParaRPr lang="ko-KR" altLang="en-US" noProof="0"/>
+            <a:endParaRPr lang="ko-KR" altLang="en-US" noProof="0" smtClean="0"/>
           </a:p>
         </p:txBody>
       </p:sp>
@@ -4592,7 +4470,7 @@
           <a:p>
             <a:pPr lvl="0"/>
             <a:r>
-              <a:rPr lang="ko-KR" altLang="en-US"/>
+              <a:rPr lang="ko-KR" altLang="en-US" smtClean="0"/>
               <a:t>마스터 텍스트 스타일을 편집합니다</a:t>
             </a:r>
           </a:p>
@@ -4608,18 +4486,7 @@
   <p:clrMapOvr>
     <a:masterClrMapping/>
   </p:clrMapOvr>
-  <mc:AlternateContent xmlns:mc="http://schemas.openxmlformats.org/markup-compatibility/2006">
-    <mc:Choice xmlns:p159="http://schemas.microsoft.com/office/powerpoint/2015/09/main" Requires="p159">
-      <p:transition>
-        <p159:morph option="byChar"/>
-      </p:transition>
-    </mc:Choice>
-    <mc:Fallback>
-      <p:transition>
-        <p:fade/>
-      </p:transition>
-    </mc:Fallback>
-  </mc:AlternateContent>
+  <p:transition spd="med"/>
 </p:sldLayout>
 </file>
 
@@ -4656,9 +4523,10 @@
           <a:lstStyle/>
           <a:p>
             <a:r>
-              <a:rPr lang="ko-KR" altLang="en-US"/>
+              <a:rPr lang="ko-KR" altLang="en-US" smtClean="0"/>
               <a:t>마스터 제목 스타일 편집</a:t>
             </a:r>
+            <a:endParaRPr lang="ko-KR" altLang="en-US"/>
           </a:p>
         </p:txBody>
       </p:sp>
@@ -4679,37 +4547,38 @@
           <a:p>
             <a:pPr lvl="0"/>
             <a:r>
-              <a:rPr lang="ko-KR" altLang="en-US"/>
+              <a:rPr lang="ko-KR" altLang="en-US" smtClean="0"/>
               <a:t>마스터 텍스트 스타일을 편집합니다</a:t>
             </a:r>
           </a:p>
           <a:p>
             <a:pPr lvl="1"/>
             <a:r>
-              <a:rPr lang="ko-KR" altLang="en-US"/>
+              <a:rPr lang="ko-KR" altLang="en-US" smtClean="0"/>
               <a:t>둘째 수준</a:t>
             </a:r>
           </a:p>
           <a:p>
             <a:pPr lvl="2"/>
             <a:r>
-              <a:rPr lang="ko-KR" altLang="en-US"/>
+              <a:rPr lang="ko-KR" altLang="en-US" smtClean="0"/>
               <a:t>셋째 수준</a:t>
             </a:r>
           </a:p>
           <a:p>
             <a:pPr lvl="3"/>
             <a:r>
-              <a:rPr lang="ko-KR" altLang="en-US"/>
+              <a:rPr lang="ko-KR" altLang="en-US" smtClean="0"/>
               <a:t>넷째 수준</a:t>
             </a:r>
           </a:p>
           <a:p>
             <a:pPr lvl="4"/>
             <a:r>
-              <a:rPr lang="ko-KR" altLang="en-US"/>
+              <a:rPr lang="ko-KR" altLang="en-US" smtClean="0"/>
               <a:t>다섯째 수준</a:t>
             </a:r>
+            <a:endParaRPr lang="ko-KR" altLang="en-US"/>
           </a:p>
         </p:txBody>
       </p:sp>
@@ -4723,18 +4592,7 @@
   <p:clrMapOvr>
     <a:masterClrMapping/>
   </p:clrMapOvr>
-  <mc:AlternateContent xmlns:mc="http://schemas.openxmlformats.org/markup-compatibility/2006">
-    <mc:Choice xmlns:p159="http://schemas.microsoft.com/office/powerpoint/2015/09/main" Requires="p159">
-      <p:transition>
-        <p159:morph option="byChar"/>
-      </p:transition>
-    </mc:Choice>
-    <mc:Fallback>
-      <p:transition>
-        <p:fade/>
-      </p:transition>
-    </mc:Fallback>
-  </mc:AlternateContent>
+  <p:transition spd="med"/>
 </p:sldLayout>
 </file>
 
@@ -4776,9 +4634,10 @@
           <a:lstStyle/>
           <a:p>
             <a:r>
-              <a:rPr lang="ko-KR" altLang="en-US"/>
+              <a:rPr lang="ko-KR" altLang="en-US" smtClean="0"/>
               <a:t>마스터 제목 스타일 편집</a:t>
             </a:r>
+            <a:endParaRPr lang="ko-KR" altLang="en-US"/>
           </a:p>
         </p:txBody>
       </p:sp>
@@ -4804,37 +4663,38 @@
           <a:p>
             <a:pPr lvl="0"/>
             <a:r>
-              <a:rPr lang="ko-KR" altLang="en-US"/>
+              <a:rPr lang="ko-KR" altLang="en-US" smtClean="0"/>
               <a:t>마스터 텍스트 스타일을 편집합니다</a:t>
             </a:r>
           </a:p>
           <a:p>
             <a:pPr lvl="1"/>
             <a:r>
-              <a:rPr lang="ko-KR" altLang="en-US"/>
+              <a:rPr lang="ko-KR" altLang="en-US" smtClean="0"/>
               <a:t>둘째 수준</a:t>
             </a:r>
           </a:p>
           <a:p>
             <a:pPr lvl="2"/>
             <a:r>
-              <a:rPr lang="ko-KR" altLang="en-US"/>
+              <a:rPr lang="ko-KR" altLang="en-US" smtClean="0"/>
               <a:t>셋째 수준</a:t>
             </a:r>
           </a:p>
           <a:p>
             <a:pPr lvl="3"/>
             <a:r>
-              <a:rPr lang="ko-KR" altLang="en-US"/>
+              <a:rPr lang="ko-KR" altLang="en-US" smtClean="0"/>
               <a:t>넷째 수준</a:t>
             </a:r>
           </a:p>
           <a:p>
             <a:pPr lvl="4"/>
             <a:r>
-              <a:rPr lang="ko-KR" altLang="en-US"/>
+              <a:rPr lang="ko-KR" altLang="en-US" smtClean="0"/>
               <a:t>다섯째 수준</a:t>
             </a:r>
+            <a:endParaRPr lang="ko-KR" altLang="en-US"/>
           </a:p>
         </p:txBody>
       </p:sp>
@@ -4848,18 +4708,7 @@
   <p:clrMapOvr>
     <a:masterClrMapping/>
   </p:clrMapOvr>
-  <mc:AlternateContent xmlns:mc="http://schemas.openxmlformats.org/markup-compatibility/2006">
-    <mc:Choice xmlns:p159="http://schemas.microsoft.com/office/powerpoint/2015/09/main" Requires="p159">
-      <p:transition>
-        <p159:morph option="byChar"/>
-      </p:transition>
-    </mc:Choice>
-    <mc:Fallback>
-      <p:transition>
-        <p:fade/>
-      </p:transition>
-    </mc:Fallback>
-  </mc:AlternateContent>
+  <p:transition spd="med"/>
 </p:sldLayout>
 </file>
 
@@ -4905,9 +4754,10 @@
           </a:lstStyle>
           <a:p>
             <a:r>
-              <a:rPr lang="ko-KR" altLang="en-US"/>
+              <a:rPr lang="ko-KR" altLang="en-US" smtClean="0"/>
               <a:t>마스터 제목 스타일 편집</a:t>
             </a:r>
+            <a:endParaRPr lang="ko-KR" altLang="en-US"/>
           </a:p>
         </p:txBody>
       </p:sp>
@@ -4970,7 +4820,7 @@
           <a:p>
             <a:pPr lvl="0"/>
             <a:r>
-              <a:rPr lang="ko-KR" altLang="en-US"/>
+              <a:rPr lang="ko-KR" altLang="en-US" smtClean="0"/>
               <a:t>마스터 텍스트 스타일을 편집합니다</a:t>
             </a:r>
           </a:p>
@@ -4986,18 +4836,7 @@
   <p:clrMapOvr>
     <a:masterClrMapping/>
   </p:clrMapOvr>
-  <mc:AlternateContent xmlns:mc="http://schemas.openxmlformats.org/markup-compatibility/2006">
-    <mc:Choice xmlns:p159="http://schemas.microsoft.com/office/powerpoint/2015/09/main" Requires="p159">
-      <p:transition>
-        <p159:morph option="byChar"/>
-      </p:transition>
-    </mc:Choice>
-    <mc:Fallback>
-      <p:transition>
-        <p:fade/>
-      </p:transition>
-    </mc:Fallback>
-  </mc:AlternateContent>
+  <p:transition spd="med"/>
 </p:sldLayout>
 </file>
 
@@ -5034,9 +4873,10 @@
           <a:lstStyle/>
           <a:p>
             <a:r>
-              <a:rPr lang="ko-KR" altLang="en-US"/>
+              <a:rPr lang="ko-KR" altLang="en-US" smtClean="0"/>
               <a:t>마스터 제목 스타일 편집</a:t>
             </a:r>
+            <a:endParaRPr lang="ko-KR" altLang="en-US"/>
           </a:p>
         </p:txBody>
       </p:sp>
@@ -5090,37 +4930,38 @@
           <a:p>
             <a:pPr lvl="0"/>
             <a:r>
-              <a:rPr lang="ko-KR" altLang="en-US"/>
+              <a:rPr lang="ko-KR" altLang="en-US" smtClean="0"/>
               <a:t>마스터 텍스트 스타일을 편집합니다</a:t>
             </a:r>
           </a:p>
           <a:p>
             <a:pPr lvl="1"/>
             <a:r>
-              <a:rPr lang="ko-KR" altLang="en-US"/>
+              <a:rPr lang="ko-KR" altLang="en-US" smtClean="0"/>
               <a:t>둘째 수준</a:t>
             </a:r>
           </a:p>
           <a:p>
             <a:pPr lvl="2"/>
             <a:r>
-              <a:rPr lang="ko-KR" altLang="en-US"/>
+              <a:rPr lang="ko-KR" altLang="en-US" smtClean="0"/>
               <a:t>셋째 수준</a:t>
             </a:r>
           </a:p>
           <a:p>
             <a:pPr lvl="3"/>
             <a:r>
-              <a:rPr lang="ko-KR" altLang="en-US"/>
+              <a:rPr lang="ko-KR" altLang="en-US" smtClean="0"/>
               <a:t>넷째 수준</a:t>
             </a:r>
           </a:p>
           <a:p>
             <a:pPr lvl="4"/>
             <a:r>
-              <a:rPr lang="ko-KR" altLang="en-US"/>
+              <a:rPr lang="ko-KR" altLang="en-US" smtClean="0"/>
               <a:t>다섯째 수준</a:t>
             </a:r>
+            <a:endParaRPr lang="ko-KR" altLang="en-US"/>
           </a:p>
         </p:txBody>
       </p:sp>
@@ -5174,37 +5015,38 @@
           <a:p>
             <a:pPr lvl="0"/>
             <a:r>
-              <a:rPr lang="ko-KR" altLang="en-US"/>
+              <a:rPr lang="ko-KR" altLang="en-US" smtClean="0"/>
               <a:t>마스터 텍스트 스타일을 편집합니다</a:t>
             </a:r>
           </a:p>
           <a:p>
             <a:pPr lvl="1"/>
             <a:r>
-              <a:rPr lang="ko-KR" altLang="en-US"/>
+              <a:rPr lang="ko-KR" altLang="en-US" smtClean="0"/>
               <a:t>둘째 수준</a:t>
             </a:r>
           </a:p>
           <a:p>
             <a:pPr lvl="2"/>
             <a:r>
-              <a:rPr lang="ko-KR" altLang="en-US"/>
+              <a:rPr lang="ko-KR" altLang="en-US" smtClean="0"/>
               <a:t>셋째 수준</a:t>
             </a:r>
           </a:p>
           <a:p>
             <a:pPr lvl="3"/>
             <a:r>
-              <a:rPr lang="ko-KR" altLang="en-US"/>
+              <a:rPr lang="ko-KR" altLang="en-US" smtClean="0"/>
               <a:t>넷째 수준</a:t>
             </a:r>
           </a:p>
           <a:p>
             <a:pPr lvl="4"/>
             <a:r>
-              <a:rPr lang="ko-KR" altLang="en-US"/>
+              <a:rPr lang="ko-KR" altLang="en-US" smtClean="0"/>
               <a:t>다섯째 수준</a:t>
             </a:r>
+            <a:endParaRPr lang="ko-KR" altLang="en-US"/>
           </a:p>
         </p:txBody>
       </p:sp>
@@ -5218,18 +5060,7 @@
   <p:clrMapOvr>
     <a:masterClrMapping/>
   </p:clrMapOvr>
-  <mc:AlternateContent xmlns:mc="http://schemas.openxmlformats.org/markup-compatibility/2006">
-    <mc:Choice xmlns:p159="http://schemas.microsoft.com/office/powerpoint/2015/09/main" Requires="p159">
-      <p:transition>
-        <p159:morph option="byChar"/>
-      </p:transition>
-    </mc:Choice>
-    <mc:Fallback>
-      <p:transition>
-        <p:fade/>
-      </p:transition>
-    </mc:Fallback>
-  </mc:AlternateContent>
+  <p:transition spd="med"/>
 </p:sldLayout>
 </file>
 
@@ -5266,9 +5097,10 @@
           <a:lstStyle/>
           <a:p>
             <a:r>
-              <a:rPr lang="ko-KR" altLang="en-US"/>
+              <a:rPr lang="ko-KR" altLang="en-US" smtClean="0"/>
               <a:t>마스터 제목 스타일 편집</a:t>
             </a:r>
+            <a:endParaRPr lang="ko-KR" altLang="en-US"/>
           </a:p>
         </p:txBody>
       </p:sp>
@@ -5282,18 +5114,7 @@
   <p:clrMapOvr>
     <a:masterClrMapping/>
   </p:clrMapOvr>
-  <mc:AlternateContent xmlns:mc="http://schemas.openxmlformats.org/markup-compatibility/2006">
-    <mc:Choice xmlns:p159="http://schemas.microsoft.com/office/powerpoint/2015/09/main" Requires="p159">
-      <p:transition>
-        <p159:morph option="byChar"/>
-      </p:transition>
-    </mc:Choice>
-    <mc:Fallback>
-      <p:transition>
-        <p:fade/>
-      </p:transition>
-    </mc:Fallback>
-  </mc:AlternateContent>
+  <p:transition spd="med"/>
 </p:sldLayout>
 </file>
 
@@ -5324,18 +5145,7 @@
   <p:clrMapOvr>
     <a:masterClrMapping/>
   </p:clrMapOvr>
-  <mc:AlternateContent xmlns:mc="http://schemas.openxmlformats.org/markup-compatibility/2006">
-    <mc:Choice xmlns:p159="http://schemas.microsoft.com/office/powerpoint/2015/09/main" Requires="p159">
-      <p:transition>
-        <p159:morph option="byChar"/>
-      </p:transition>
-    </mc:Choice>
-    <mc:Fallback>
-      <p:transition>
-        <p:fade/>
-      </p:transition>
-    </mc:Fallback>
-  </mc:AlternateContent>
+  <p:transition spd="med"/>
 </p:sldLayout>
 </file>
 
@@ -5381,9 +5191,10 @@
           </a:lstStyle>
           <a:p>
             <a:r>
-              <a:rPr lang="ko-KR" altLang="en-US"/>
+              <a:rPr lang="ko-KR" altLang="en-US" smtClean="0"/>
               <a:t>마스터 제목 스타일 편집</a:t>
             </a:r>
+            <a:endParaRPr lang="ko-KR" altLang="en-US"/>
           </a:p>
         </p:txBody>
       </p:sp>
@@ -5437,37 +5248,38 @@
           <a:p>
             <a:pPr lvl="0"/>
             <a:r>
-              <a:rPr lang="ko-KR" altLang="en-US"/>
+              <a:rPr lang="ko-KR" altLang="en-US" smtClean="0"/>
               <a:t>마스터 텍스트 스타일을 편집합니다</a:t>
             </a:r>
           </a:p>
           <a:p>
             <a:pPr lvl="1"/>
             <a:r>
-              <a:rPr lang="ko-KR" altLang="en-US"/>
+              <a:rPr lang="ko-KR" altLang="en-US" smtClean="0"/>
               <a:t>둘째 수준</a:t>
             </a:r>
           </a:p>
           <a:p>
             <a:pPr lvl="2"/>
             <a:r>
-              <a:rPr lang="ko-KR" altLang="en-US"/>
+              <a:rPr lang="ko-KR" altLang="en-US" smtClean="0"/>
               <a:t>셋째 수준</a:t>
             </a:r>
           </a:p>
           <a:p>
             <a:pPr lvl="3"/>
             <a:r>
-              <a:rPr lang="ko-KR" altLang="en-US"/>
+              <a:rPr lang="ko-KR" altLang="en-US" smtClean="0"/>
               <a:t>넷째 수준</a:t>
             </a:r>
           </a:p>
           <a:p>
             <a:pPr lvl="4"/>
             <a:r>
-              <a:rPr lang="ko-KR" altLang="en-US"/>
+              <a:rPr lang="ko-KR" altLang="en-US" smtClean="0"/>
               <a:t>다섯째 수준</a:t>
             </a:r>
+            <a:endParaRPr lang="ko-KR" altLang="en-US"/>
           </a:p>
         </p:txBody>
       </p:sp>
@@ -5530,7 +5342,7 @@
           <a:p>
             <a:pPr lvl="0"/>
             <a:r>
-              <a:rPr lang="ko-KR" altLang="en-US"/>
+              <a:rPr lang="ko-KR" altLang="en-US" smtClean="0"/>
               <a:t>마스터 텍스트 스타일을 편집합니다</a:t>
             </a:r>
           </a:p>
@@ -5546,18 +5358,7 @@
   <p:clrMapOvr>
     <a:masterClrMapping/>
   </p:clrMapOvr>
-  <mc:AlternateContent xmlns:mc="http://schemas.openxmlformats.org/markup-compatibility/2006">
-    <mc:Choice xmlns:p159="http://schemas.microsoft.com/office/powerpoint/2015/09/main" Requires="p159">
-      <p:transition>
-        <p159:morph option="byChar"/>
-      </p:transition>
-    </mc:Choice>
-    <mc:Fallback>
-      <p:transition>
-        <p:fade/>
-      </p:transition>
-    </mc:Fallback>
-  </mc:AlternateContent>
+  <p:transition spd="med"/>
 </p:sldLayout>
 </file>
 
@@ -5603,9 +5404,10 @@
           </a:lstStyle>
           <a:p>
             <a:r>
-              <a:rPr lang="ko-KR" altLang="en-US"/>
+              <a:rPr lang="ko-KR" altLang="en-US" smtClean="0"/>
               <a:t>마스터 제목 스타일 편집</a:t>
             </a:r>
+            <a:endParaRPr lang="ko-KR" altLang="en-US"/>
           </a:p>
         </p:txBody>
       </p:sp>
@@ -5667,7 +5469,7 @@
           </a:lstStyle>
           <a:p>
             <a:pPr lvl="0"/>
-            <a:endParaRPr lang="ko-KR" altLang="en-US" noProof="0"/>
+            <a:endParaRPr lang="ko-KR" altLang="en-US" noProof="0" smtClean="0"/>
           </a:p>
         </p:txBody>
       </p:sp>
@@ -5730,7 +5532,7 @@
           <a:p>
             <a:pPr lvl="0"/>
             <a:r>
-              <a:rPr lang="ko-KR" altLang="en-US"/>
+              <a:rPr lang="ko-KR" altLang="en-US" smtClean="0"/>
               <a:t>마스터 텍스트 스타일을 편집합니다</a:t>
             </a:r>
           </a:p>
@@ -5746,18 +5548,7 @@
   <p:clrMapOvr>
     <a:masterClrMapping/>
   </p:clrMapOvr>
-  <mc:AlternateContent xmlns:mc="http://schemas.openxmlformats.org/markup-compatibility/2006">
-    <mc:Choice xmlns:p159="http://schemas.microsoft.com/office/powerpoint/2015/09/main" Requires="p159">
-      <p:transition>
-        <p159:morph option="byChar"/>
-      </p:transition>
-    </mc:Choice>
-    <mc:Fallback>
-      <p:transition>
-        <p:fade/>
-      </p:transition>
-    </mc:Fallback>
-  </mc:AlternateContent>
+  <p:transition spd="med"/>
 </p:sldLayout>
 </file>
 
@@ -5799,9 +5590,10 @@
           <a:lstStyle/>
           <a:p>
             <a:r>
-              <a:rPr lang="ko-KR" altLang="en-US"/>
+              <a:rPr lang="ko-KR" altLang="en-US" smtClean="0"/>
               <a:t>마스터 제목 스타일 편집</a:t>
             </a:r>
+            <a:endParaRPr lang="ko-KR" altLang="en-US"/>
           </a:p>
         </p:txBody>
       </p:sp>
@@ -5822,37 +5614,38 @@
           <a:p>
             <a:pPr lvl="0"/>
             <a:r>
-              <a:rPr lang="ko-KR" altLang="en-US"/>
+              <a:rPr lang="ko-KR" altLang="en-US" smtClean="0"/>
               <a:t>마스터 텍스트 스타일을 편집합니다</a:t>
             </a:r>
           </a:p>
           <a:p>
             <a:pPr lvl="1"/>
             <a:r>
-              <a:rPr lang="ko-KR" altLang="en-US"/>
+              <a:rPr lang="ko-KR" altLang="en-US" smtClean="0"/>
               <a:t>둘째 수준</a:t>
             </a:r>
           </a:p>
           <a:p>
             <a:pPr lvl="2"/>
             <a:r>
-              <a:rPr lang="ko-KR" altLang="en-US"/>
+              <a:rPr lang="ko-KR" altLang="en-US" smtClean="0"/>
               <a:t>셋째 수준</a:t>
             </a:r>
           </a:p>
           <a:p>
             <a:pPr lvl="3"/>
             <a:r>
-              <a:rPr lang="ko-KR" altLang="en-US"/>
+              <a:rPr lang="ko-KR" altLang="en-US" smtClean="0"/>
               <a:t>넷째 수준</a:t>
             </a:r>
           </a:p>
           <a:p>
             <a:pPr lvl="4"/>
             <a:r>
-              <a:rPr lang="ko-KR" altLang="en-US"/>
+              <a:rPr lang="ko-KR" altLang="en-US" smtClean="0"/>
               <a:t>다섯째 수준</a:t>
             </a:r>
+            <a:endParaRPr lang="ko-KR" altLang="en-US"/>
           </a:p>
         </p:txBody>
       </p:sp>
@@ -5866,18 +5659,7 @@
   <p:clrMapOvr>
     <a:masterClrMapping/>
   </p:clrMapOvr>
-  <mc:AlternateContent xmlns:mc="http://schemas.openxmlformats.org/markup-compatibility/2006">
-    <mc:Choice xmlns:p159="http://schemas.microsoft.com/office/powerpoint/2015/09/main" Requires="p159">
-      <p:transition>
-        <p159:morph option="byChar"/>
-      </p:transition>
-    </mc:Choice>
-    <mc:Fallback>
-      <p:transition>
-        <p:fade/>
-      </p:transition>
-    </mc:Fallback>
-  </mc:AlternateContent>
+  <p:transition spd="med"/>
 </p:sldLayout>
 </file>
 
@@ -6054,7 +5836,7 @@
             <a:pPr algn="ctr" eaLnBrk="1" latinLnBrk="1" hangingPunct="1">
               <a:defRPr/>
             </a:pPr>
-            <a:endParaRPr lang="ko-KR" altLang="ko-KR" sz="1800">
+            <a:endParaRPr lang="ko-KR" altLang="ko-KR" sz="1800" smtClean="0">
               <a:solidFill>
                 <a:schemeClr val="bg1"/>
               </a:solidFill>
@@ -6114,7 +5896,7 @@
           <a:p>
             <a:pPr lvl="0"/>
             <a:r>
-              <a:rPr lang="ko-KR" altLang="en-US"/>
+              <a:rPr lang="ko-KR" altLang="en-US" smtClean="0"/>
               <a:t>마스터 제목 스타일 편집</a:t>
             </a:r>
           </a:p>
@@ -6172,42 +5954,42 @@
           <a:p>
             <a:pPr lvl="0"/>
             <a:r>
-              <a:rPr lang="en-US" altLang="ko-KR"/>
+              <a:rPr lang="en-US" altLang="ko-KR" smtClean="0"/>
               <a:t>1</a:t>
             </a:r>
-            <a:endParaRPr lang="ko-KR" altLang="en-US"/>
+            <a:endParaRPr lang="ko-KR" altLang="en-US" smtClean="0"/>
           </a:p>
           <a:p>
             <a:pPr lvl="1"/>
             <a:r>
-              <a:rPr lang="en-US" altLang="ko-KR"/>
+              <a:rPr lang="en-US" altLang="ko-KR" smtClean="0"/>
               <a:t>2</a:t>
             </a:r>
-            <a:endParaRPr lang="ko-KR" altLang="en-US"/>
+            <a:endParaRPr lang="ko-KR" altLang="en-US" smtClean="0"/>
           </a:p>
           <a:p>
             <a:pPr lvl="2"/>
             <a:r>
-              <a:rPr lang="en-US" altLang="ko-KR"/>
+              <a:rPr lang="en-US" altLang="ko-KR" smtClean="0"/>
               <a:t>3</a:t>
             </a:r>
-            <a:endParaRPr lang="ko-KR" altLang="en-US"/>
+            <a:endParaRPr lang="ko-KR" altLang="en-US" smtClean="0"/>
           </a:p>
           <a:p>
             <a:pPr lvl="3"/>
             <a:r>
-              <a:rPr lang="en-US" altLang="ko-KR"/>
+              <a:rPr lang="en-US" altLang="ko-KR" smtClean="0"/>
               <a:t>4</a:t>
             </a:r>
-            <a:endParaRPr lang="ko-KR" altLang="en-US"/>
+            <a:endParaRPr lang="ko-KR" altLang="en-US" smtClean="0"/>
           </a:p>
           <a:p>
             <a:pPr lvl="4"/>
             <a:r>
-              <a:rPr lang="en-US" altLang="ko-KR"/>
+              <a:rPr lang="en-US" altLang="ko-KR" smtClean="0"/>
               <a:t>5</a:t>
             </a:r>
-            <a:endParaRPr lang="ko-KR" altLang="en-US"/>
+            <a:endParaRPr lang="ko-KR" altLang="en-US" smtClean="0"/>
           </a:p>
         </p:txBody>
       </p:sp>
@@ -6360,7 +6142,7 @@
               <a:defRPr/>
             </a:pPr>
             <a:r>
-              <a:rPr lang="en-US" altLang="ko-KR" sz="1200">
+              <a:rPr lang="en-US" altLang="ko-KR" sz="1200" smtClean="0">
                 <a:solidFill>
                   <a:schemeClr val="bg1"/>
                 </a:solidFill>
@@ -6369,7 +6151,7 @@
               </a:rPr>
               <a:t>      Advanced Broadcasting &amp; Communications Lab.</a:t>
             </a:r>
-            <a:endParaRPr lang="en-US" altLang="ko-KR" sz="1800">
+            <a:endParaRPr lang="en-US" altLang="ko-KR" sz="1800" smtClean="0">
               <a:solidFill>
                 <a:schemeClr val="bg1"/>
               </a:solidFill>
@@ -6546,7 +6328,7 @@
               </a:pPr>
               <a:t>‹#›</a:t>
             </a:fld>
-            <a:endParaRPr lang="en-US" altLang="ko-KR" sz="1200">
+            <a:endParaRPr lang="en-US" altLang="ko-KR" sz="1200" smtClean="0">
               <a:solidFill>
                 <a:schemeClr val="bg1"/>
               </a:solidFill>
@@ -7039,7 +6821,7 @@
                 <a:defRPr/>
               </a:pPr>
               <a:r>
-                <a:rPr lang="en-US" altLang="ko-KR" sz="1600" i="1">
+                <a:rPr lang="en-US" altLang="ko-KR" sz="1600" i="1" smtClean="0">
                   <a:solidFill>
                     <a:srgbClr val="99CC00"/>
                   </a:solidFill>
@@ -7206,7 +6988,7 @@
                 <a:defRPr/>
               </a:pPr>
               <a:r>
-                <a:rPr lang="en-US" altLang="ko-KR" sz="2200" i="1">
+                <a:rPr lang="en-US" altLang="ko-KR" sz="2200" i="1" smtClean="0">
                   <a:solidFill>
                     <a:schemeClr val="bg1"/>
                   </a:solidFill>
@@ -7373,7 +7155,7 @@
                 <a:defRPr/>
               </a:pPr>
               <a:r>
-                <a:rPr lang="ko-KR" altLang="en-US" sz="900" i="1">
+                <a:rPr lang="ko-KR" altLang="en-US" sz="900" i="1" smtClean="0">
                   <a:solidFill>
                     <a:schemeClr val="bg1"/>
                   </a:solidFill>
@@ -7382,7 +7164,7 @@
                 <a:t>세계로</a:t>
               </a:r>
               <a:r>
-                <a:rPr lang="ko-KR" altLang="en-US" sz="900" i="1">
+                <a:rPr lang="ko-KR" altLang="en-US" sz="900" i="1" smtClean="0">
                   <a:solidFill>
                     <a:schemeClr val="bg2"/>
                   </a:solidFill>
@@ -7391,7 +7173,7 @@
                 <a:t> </a:t>
               </a:r>
               <a:r>
-                <a:rPr lang="ko-KR" altLang="en-US" sz="900" i="1">
+                <a:rPr lang="ko-KR" altLang="en-US" sz="900" i="1" smtClean="0">
                   <a:solidFill>
                     <a:schemeClr val="bg1"/>
                   </a:solidFill>
@@ -7420,18 +7202,14 @@
     <p:sldLayoutId id="2147484488" r:id="rId11"/>
     <p:sldLayoutId id="2147484489" r:id="rId12"/>
   </p:sldLayoutIdLst>
-  <mc:AlternateContent xmlns:mc="http://schemas.openxmlformats.org/markup-compatibility/2006">
-    <mc:Choice xmlns:p159="http://schemas.microsoft.com/office/powerpoint/2015/09/main" Requires="p159">
-      <p:transition>
-        <p159:morph option="byChar"/>
-      </p:transition>
-    </mc:Choice>
-    <mc:Fallback>
-      <p:transition>
-        <p:fade/>
-      </p:transition>
-    </mc:Fallback>
-  </mc:AlternateContent>
+  <p:transition spd="med"/>
+  <p:timing>
+    <p:tnLst>
+      <p:par>
+        <p:cTn id="1" dur="indefinite" restart="never" nodeType="tmRoot"/>
+      </p:par>
+    </p:tnLst>
+  </p:timing>
   <p:txStyles>
     <p:titleStyle>
       <a:lvl1pPr algn="r" rtl="0" eaLnBrk="0" fontAlgn="base" latinLnBrk="1" hangingPunct="0">
@@ -7999,14 +7777,14 @@
               <a:defRPr/>
             </a:pPr>
             <a:r>
-              <a:rPr lang="en-US" altLang="ko-KR" sz="1200">
+              <a:rPr lang="en-US" altLang="ko-KR" sz="1200" smtClean="0">
                 <a:solidFill>
                   <a:schemeClr val="bg1"/>
                 </a:solidFill>
               </a:rPr>
               <a:t>Broadcasting &amp; Communication Systems Lab.</a:t>
             </a:r>
-            <a:endParaRPr lang="en-US" altLang="ko-KR" sz="1800">
+            <a:endParaRPr lang="en-US" altLang="ko-KR" sz="1800" smtClean="0">
               <a:solidFill>
                 <a:schemeClr val="bg1"/>
               </a:solidFill>
@@ -8181,7 +7959,7 @@
               </a:pPr>
               <a:t>‹#›</a:t>
             </a:fld>
-            <a:endParaRPr lang="en-US" altLang="ko-KR" sz="1200">
+            <a:endParaRPr lang="en-US" altLang="ko-KR" sz="1200" smtClean="0">
               <a:solidFill>
                 <a:schemeClr val="bg1"/>
               </a:solidFill>
@@ -8423,7 +8201,7 @@
             <a:pPr algn="r" eaLnBrk="1" latinLnBrk="1" hangingPunct="1">
               <a:defRPr/>
             </a:pPr>
-            <a:endParaRPr lang="ko-KR" altLang="ko-KR" sz="1000">
+            <a:endParaRPr lang="ko-KR" altLang="ko-KR" sz="1000" smtClean="0">
               <a:solidFill>
                 <a:schemeClr val="bg1"/>
               </a:solidFill>
@@ -8752,42 +8530,42 @@
           <a:p>
             <a:pPr lvl="0"/>
             <a:r>
-              <a:rPr lang="ko-KR" altLang="en-US"/>
+              <a:rPr lang="ko-KR" altLang="en-US" smtClean="0"/>
               <a:t>마스터 텍스트 스타일을 편집합니다</a:t>
             </a:r>
           </a:p>
           <a:p>
             <a:pPr lvl="1"/>
             <a:r>
-              <a:rPr lang="ko-KR" altLang="en-US"/>
+              <a:rPr lang="ko-KR" altLang="en-US" smtClean="0"/>
               <a:t>둘째 수준</a:t>
             </a:r>
           </a:p>
           <a:p>
             <a:pPr lvl="2"/>
             <a:r>
-              <a:rPr lang="ko-KR" altLang="en-US"/>
+              <a:rPr lang="ko-KR" altLang="en-US" smtClean="0"/>
               <a:t>셋째 수준</a:t>
             </a:r>
           </a:p>
           <a:p>
             <a:pPr lvl="3"/>
             <a:r>
-              <a:rPr lang="ko-KR" altLang="en-US"/>
+              <a:rPr lang="ko-KR" altLang="en-US" smtClean="0"/>
               <a:t>넷째 수준</a:t>
             </a:r>
           </a:p>
           <a:p>
             <a:pPr lvl="4"/>
             <a:r>
-              <a:rPr lang="ko-KR" altLang="en-US"/>
+              <a:rPr lang="ko-KR" altLang="en-US" smtClean="0"/>
               <a:t>다섯째 수준</a:t>
             </a:r>
             <a:r>
-              <a:rPr lang="en-US" altLang="ko-KR"/>
+              <a:rPr lang="en-US" altLang="ko-KR" smtClean="0"/>
               <a:t>z</a:t>
             </a:r>
-            <a:endParaRPr lang="ko-KR" altLang="en-US"/>
+            <a:endParaRPr lang="ko-KR" altLang="en-US" smtClean="0"/>
           </a:p>
         </p:txBody>
       </p:sp>
@@ -8843,7 +8621,7 @@
           <a:p>
             <a:pPr lvl="0"/>
             <a:r>
-              <a:rPr lang="en-US" altLang="ko-KR"/>
+              <a:rPr lang="en-US" altLang="ko-KR" smtClean="0"/>
               <a:t>Contents</a:t>
             </a:r>
           </a:p>
@@ -9011,7 +8789,7 @@
               <a:defRPr/>
             </a:pPr>
             <a:r>
-              <a:rPr lang="ko-KR" altLang="en-US" sz="2000" i="0">
+              <a:rPr lang="ko-KR" altLang="en-US" sz="2000" i="0" smtClean="0">
                 <a:solidFill>
                   <a:schemeClr val="bg1"/>
                 </a:solidFill>
@@ -9020,6 +8798,13 @@
               </a:rPr>
               <a:t>마스터 제목 스타일 편집</a:t>
             </a:r>
+            <a:endParaRPr lang="ko-KR" altLang="en-US" sz="2000" i="0">
+              <a:solidFill>
+                <a:schemeClr val="bg1"/>
+              </a:solidFill>
+              <a:latin typeface="Arial Black" pitchFamily="34" charset="0"/>
+              <a:ea typeface="HY견고딕" pitchFamily="18" charset="-127"/>
+            </a:endParaRPr>
           </a:p>
         </p:txBody>
       </p:sp>
@@ -9195,7 +8980,7 @@
                 <a:defRPr/>
               </a:pPr>
               <a:r>
-                <a:rPr lang="en-US" altLang="ko-KR" sz="1600" i="1">
+                <a:rPr lang="en-US" altLang="ko-KR" sz="1600" i="1" smtClean="0">
                   <a:solidFill>
                     <a:srgbClr val="99CC00"/>
                   </a:solidFill>
@@ -9362,7 +9147,7 @@
                 <a:defRPr/>
               </a:pPr>
               <a:r>
-                <a:rPr lang="en-US" altLang="ko-KR" sz="2200" i="1">
+                <a:rPr lang="en-US" altLang="ko-KR" sz="2200" i="1" smtClean="0">
                   <a:solidFill>
                     <a:schemeClr val="bg1"/>
                   </a:solidFill>
@@ -9529,7 +9314,7 @@
                 <a:defRPr/>
               </a:pPr>
               <a:r>
-                <a:rPr lang="ko-KR" altLang="en-US" sz="900" i="1">
+                <a:rPr lang="ko-KR" altLang="en-US" sz="900" i="1" smtClean="0">
                   <a:solidFill>
                     <a:schemeClr val="bg1"/>
                   </a:solidFill>
@@ -9538,7 +9323,7 @@
                 <a:t>세계로</a:t>
               </a:r>
               <a:r>
-                <a:rPr lang="ko-KR" altLang="en-US" sz="900" i="1">
+                <a:rPr lang="ko-KR" altLang="en-US" sz="900" i="1" smtClean="0">
                   <a:solidFill>
                     <a:schemeClr val="bg2"/>
                   </a:solidFill>
@@ -9547,7 +9332,7 @@
                 <a:t> </a:t>
               </a:r>
               <a:r>
-                <a:rPr lang="ko-KR" altLang="en-US" sz="900" i="1">
+                <a:rPr lang="ko-KR" altLang="en-US" sz="900" i="1" smtClean="0">
                   <a:solidFill>
                     <a:schemeClr val="bg1"/>
                   </a:solidFill>
@@ -9575,18 +9360,14 @@
     <p:sldLayoutId id="2147484499" r:id="rId10"/>
     <p:sldLayoutId id="2147484500" r:id="rId11"/>
   </p:sldLayoutIdLst>
-  <mc:AlternateContent xmlns:mc="http://schemas.openxmlformats.org/markup-compatibility/2006">
-    <mc:Choice xmlns:p159="http://schemas.microsoft.com/office/powerpoint/2015/09/main" Requires="p159">
-      <p:transition>
-        <p159:morph option="byChar"/>
-      </p:transition>
-    </mc:Choice>
-    <mc:Fallback>
-      <p:transition>
-        <p:fade/>
-      </p:transition>
-    </mc:Fallback>
-  </mc:AlternateContent>
+  <p:transition spd="med"/>
+  <p:timing>
+    <p:tnLst>
+      <p:par>
+        <p:cTn id="1" dur="indefinite" restart="never" nodeType="tmRoot"/>
+      </p:par>
+    </p:tnLst>
+  </p:timing>
   <p:txStyles>
     <p:titleStyle>
       <a:lvl1pPr algn="l" rtl="0" eaLnBrk="0" fontAlgn="base" latinLnBrk="1" hangingPunct="0">
@@ -10053,7 +9834,7 @@
                 <a:latin typeface="Arial Black" panose="020B0A04020102020204" pitchFamily="34" charset="0"/>
               </a:rPr>
             </a:br>
-            <a:endParaRPr lang="en-US" altLang="ko-KR" sz="2800" b="0" dirty="0">
+            <a:endParaRPr lang="en-US" altLang="ko-KR" sz="2800" b="0" dirty="0" smtClean="0">
               <a:solidFill>
                 <a:srgbClr val="A50021"/>
               </a:solidFill>
@@ -10090,7 +9871,7 @@
               </a:lnSpc>
             </a:pPr>
             <a:r>
-              <a:rPr lang="en-US" altLang="ko-KR" dirty="0"/>
+              <a:rPr lang="en-US" altLang="ko-KR" dirty="0" smtClean="0"/>
               <a:t>Chapter 3 – Homework</a:t>
             </a:r>
           </a:p>
@@ -10100,7 +9881,7 @@
                 <a:spcPct val="90000"/>
               </a:lnSpc>
             </a:pPr>
-            <a:endParaRPr lang="en-US" altLang="ko-KR" sz="3200" dirty="0"/>
+            <a:endParaRPr lang="en-US" altLang="ko-KR" sz="3200" dirty="0" smtClean="0"/>
           </a:p>
         </p:txBody>
       </p:sp>
@@ -10109,18 +9890,14 @@
   <p:clrMapOvr>
     <a:masterClrMapping/>
   </p:clrMapOvr>
-  <mc:AlternateContent xmlns:mc="http://schemas.openxmlformats.org/markup-compatibility/2006">
-    <mc:Choice xmlns:p159="http://schemas.microsoft.com/office/powerpoint/2015/09/main" Requires="p159">
-      <p:transition>
-        <p159:morph option="byChar"/>
-      </p:transition>
-    </mc:Choice>
-    <mc:Fallback>
-      <p:transition>
-        <p:fade/>
-      </p:transition>
-    </mc:Fallback>
-  </mc:AlternateContent>
+  <p:transition spd="med"/>
+  <p:timing>
+    <p:tnLst>
+      <p:par>
+        <p:cTn id="1" dur="indefinite" restart="never" nodeType="tmRoot"/>
+      </p:par>
+    </p:tnLst>
+  </p:timing>
 </p:sld>
 </file>
 
@@ -10157,10 +9934,10 @@
           <a:lstStyle/>
           <a:p>
             <a:r>
-              <a:rPr lang="en-US" altLang="ko-KR" sz="2400" dirty="0"/>
+              <a:rPr lang="en-US" altLang="ko-KR" sz="2400" dirty="0" smtClean="0"/>
               <a:t>Homework #2</a:t>
             </a:r>
-            <a:endParaRPr lang="ko-KR" altLang="en-US" sz="2400" dirty="0"/>
+            <a:endParaRPr lang="ko-KR" altLang="en-US" sz="2400" dirty="0" smtClean="0"/>
           </a:p>
         </p:txBody>
       </p:sp>
@@ -10193,7 +9970,7 @@
               <a:defRPr/>
             </a:pPr>
             <a:r>
-              <a:rPr lang="en-US" altLang="ko-KR" sz="3200" dirty="0">
+              <a:rPr lang="en-US" altLang="ko-KR" sz="3200" dirty="0" smtClean="0">
                 <a:solidFill>
                   <a:srgbClr val="0070C0"/>
                 </a:solidFill>
@@ -10210,12 +9987,20 @@
               <a:defRPr/>
             </a:pPr>
             <a:r>
+              <a:rPr lang="en-US" altLang="ko-KR" sz="2000" b="1" i="1" dirty="0" smtClean="0">
+                <a:solidFill>
+                  <a:srgbClr val="A50021"/>
+                </a:solidFill>
+              </a:rPr>
+              <a:t>Solve Problems 3.12, 3.22, 3.43, 3.50, </a:t>
+            </a:r>
+            <a:r>
               <a:rPr lang="en-US" altLang="ko-KR" sz="2000" b="1" i="1" dirty="0">
                 <a:solidFill>
                   <a:srgbClr val="A50021"/>
                 </a:solidFill>
               </a:rPr>
-              <a:t>Solve Problems 3.12, 3.22, 3.43, 3.50, 3.52</a:t>
+              <a:t>3.52</a:t>
             </a:r>
             <a:br>
               <a:rPr lang="en-US" altLang="ko-KR" sz="2000" b="1" i="1" dirty="0">
@@ -10233,7 +10018,7 @@
               <a:t>Submit </a:t>
             </a:r>
             <a:r>
-              <a:rPr lang="en-US" altLang="ko-KR" sz="2000" b="1" i="1">
+              <a:rPr lang="en-US" altLang="ko-KR" sz="2000" b="1" i="1" smtClean="0">
                 <a:solidFill>
                   <a:srgbClr val="A50021"/>
                 </a:solidFill>
@@ -10241,7 +10026,7 @@
               <a:t>by 13</a:t>
             </a:r>
             <a:r>
-              <a:rPr lang="en-US" altLang="ko-KR" sz="2000" b="1" i="1" baseline="30000">
+              <a:rPr lang="en-US" altLang="ko-KR" sz="2000" b="1" i="1" baseline="30000" smtClean="0">
                 <a:solidFill>
                   <a:srgbClr val="A50021"/>
                 </a:solidFill>
@@ -10249,7 +10034,7 @@
               <a:t>th</a:t>
             </a:r>
             <a:r>
-              <a:rPr lang="en-US" altLang="ko-KR" sz="2000" b="1" i="1">
+              <a:rPr lang="en-US" altLang="ko-KR" sz="2000" b="1" i="1" smtClean="0">
                 <a:solidFill>
                   <a:srgbClr val="A50021"/>
                 </a:solidFill>
@@ -10270,7 +10055,7 @@
               <a:defRPr/>
             </a:pPr>
             <a:r>
-              <a:rPr lang="en-US" altLang="ko-KR" sz="2000" b="1" dirty="0"/>
+              <a:rPr lang="en-US" altLang="ko-KR" sz="2000" b="1" dirty="0" smtClean="0"/>
               <a:t>Read Text Chapter 4. </a:t>
             </a:r>
           </a:p>
@@ -10282,7 +10067,7 @@
               <a:defRPr/>
             </a:pPr>
             <a:r>
-              <a:rPr lang="en-US" altLang="ko-KR" sz="2000" b="1" dirty="0"/>
+              <a:rPr lang="en-US" altLang="ko-KR" sz="2000" b="1" dirty="0" smtClean="0"/>
               <a:t>Prepare Presentation</a:t>
             </a:r>
           </a:p>
@@ -10290,7 +10075,7 @@
             <a:pPr>
               <a:defRPr/>
             </a:pPr>
-            <a:endParaRPr lang="ko-KR" altLang="en-US" sz="2000" dirty="0"/>
+            <a:endParaRPr lang="ko-KR" altLang="en-US" sz="2000" dirty="0" smtClean="0"/>
           </a:p>
         </p:txBody>
       </p:sp>
@@ -10304,18 +10089,14 @@
   <p:clrMapOvr>
     <a:masterClrMapping/>
   </p:clrMapOvr>
-  <mc:AlternateContent xmlns:mc="http://schemas.openxmlformats.org/markup-compatibility/2006">
-    <mc:Choice xmlns:p159="http://schemas.microsoft.com/office/powerpoint/2015/09/main" Requires="p159">
-      <p:transition>
-        <p159:morph option="byChar"/>
-      </p:transition>
-    </mc:Choice>
-    <mc:Fallback>
-      <p:transition>
-        <p:fade/>
-      </p:transition>
-    </mc:Fallback>
-  </mc:AlternateContent>
+  <p:transition spd="med"/>
+  <p:timing>
+    <p:tnLst>
+      <p:par>
+        <p:cTn id="1" dur="indefinite" restart="never" nodeType="tmRoot"/>
+      </p:par>
+    </p:tnLst>
+  </p:timing>
 </p:sld>
 </file>
 
@@ -10353,10 +10134,10 @@
           <a:p>
             <a:pPr eaLnBrk="1" hangingPunct="1"/>
             <a:r>
-              <a:rPr lang="en-US" altLang="ko-KR" sz="2400" dirty="0"/>
+              <a:rPr lang="en-US" altLang="ko-KR" sz="2400" dirty="0" smtClean="0"/>
               <a:t>Homework #2</a:t>
             </a:r>
-            <a:endParaRPr lang="ko-KR" altLang="en-US" sz="2400" dirty="0"/>
+            <a:endParaRPr lang="ko-KR" altLang="en-US" sz="2400" dirty="0" smtClean="0"/>
           </a:p>
         </p:txBody>
       </p:sp>
@@ -10385,7 +10166,7 @@
               <a:defRPr/>
             </a:pPr>
             <a:r>
-              <a:rPr lang="en-US" altLang="ko-KR" sz="2800" b="1" dirty="0">
+              <a:rPr lang="en-US" altLang="ko-KR" sz="2800" b="1" dirty="0" smtClean="0">
                 <a:solidFill>
                   <a:srgbClr val="0070C0"/>
                 </a:solidFill>
@@ -10393,6 +10174,12 @@
               </a:rPr>
               <a:t>Problem #1</a:t>
             </a:r>
+            <a:endParaRPr lang="en-US" altLang="ko-KR" sz="2800" b="1" dirty="0">
+              <a:solidFill>
+                <a:srgbClr val="0070C0"/>
+              </a:solidFill>
+              <a:ea typeface="Microsoft Sans Serif" panose="020B0604020202020204" pitchFamily="34" charset="0"/>
+            </a:endParaRPr>
           </a:p>
           <a:p>
             <a:pPr marL="457200" indent="-457200">
@@ -10403,84 +10190,153 @@
               <a:defRPr/>
             </a:pPr>
             <a:r>
+              <a:rPr lang="en-US" altLang="ko-KR" b="1" dirty="0" smtClean="0">
+                <a:ea typeface="Microsoft Sans Serif" panose="020B0604020202020204" pitchFamily="34" charset="0"/>
+              </a:rPr>
+              <a:t>Use nodal analysis to determine I</a:t>
+            </a:r>
+            <a:r>
+              <a:rPr lang="en-US" altLang="ko-KR" b="1" baseline="-25000" dirty="0" smtClean="0">
+                <a:ea typeface="Microsoft Sans Serif" panose="020B0604020202020204" pitchFamily="34" charset="0"/>
+              </a:rPr>
+              <a:t>o</a:t>
+            </a:r>
+            <a:r>
+              <a:rPr lang="en-US" altLang="ko-KR" b="1" dirty="0" smtClean="0">
+                <a:ea typeface="Microsoft Sans Serif" panose="020B0604020202020204" pitchFamily="34" charset="0"/>
+              </a:rPr>
+              <a:t> in the circuits in Figure P3.12</a:t>
+            </a:r>
+            <a:r>
               <a:rPr lang="en-US" altLang="ko-KR" b="1" dirty="0">
                 <a:ea typeface="Microsoft Sans Serif" panose="020B0604020202020204" pitchFamily="34" charset="0"/>
               </a:rPr>
-              <a:t>Use nodal analysis to determine I</a:t>
-            </a:r>
-            <a:r>
-              <a:rPr lang="en-US" altLang="ko-KR" b="1" baseline="-25000" dirty="0">
-                <a:ea typeface="Microsoft Sans Serif" panose="020B0604020202020204" pitchFamily="34" charset="0"/>
-              </a:rPr>
-              <a:t>o</a:t>
-            </a:r>
-            <a:r>
-              <a:rPr lang="en-US" altLang="ko-KR" b="1" dirty="0">
-                <a:ea typeface="Microsoft Sans Serif" panose="020B0604020202020204" pitchFamily="34" charset="0"/>
-              </a:rPr>
-              <a:t> in the circuits in Figure P3.12</a:t>
+              <a:t/>
             </a:r>
             <a:br>
               <a:rPr lang="en-US" altLang="ko-KR" b="1" dirty="0">
                 <a:ea typeface="Microsoft Sans Serif" panose="020B0604020202020204" pitchFamily="34" charset="0"/>
               </a:rPr>
             </a:br>
+            <a:r>
+              <a:rPr lang="en-US" altLang="ko-KR" b="1" dirty="0" smtClean="0">
+                <a:ea typeface="Microsoft Sans Serif" panose="020B0604020202020204" pitchFamily="34" charset="0"/>
+              </a:rPr>
+              <a:t/>
+            </a:r>
             <a:br>
-              <a:rPr lang="en-US" altLang="ko-KR" b="1" dirty="0">
+              <a:rPr lang="en-US" altLang="ko-KR" b="1" dirty="0" smtClean="0">
                 <a:ea typeface="Microsoft Sans Serif" panose="020B0604020202020204" pitchFamily="34" charset="0"/>
               </a:rPr>
             </a:br>
+            <a:r>
+              <a:rPr lang="en-US" altLang="ko-KR" b="1" dirty="0" smtClean="0">
+                <a:ea typeface="Microsoft Sans Serif" panose="020B0604020202020204" pitchFamily="34" charset="0"/>
+              </a:rPr>
+              <a:t/>
+            </a:r>
             <a:br>
-              <a:rPr lang="en-US" altLang="ko-KR" b="1" dirty="0">
+              <a:rPr lang="en-US" altLang="ko-KR" b="1" dirty="0" smtClean="0">
                 <a:ea typeface="Microsoft Sans Serif" panose="020B0604020202020204" pitchFamily="34" charset="0"/>
               </a:rPr>
             </a:br>
+            <a:r>
+              <a:rPr lang="en-US" altLang="ko-KR" b="1" dirty="0" smtClean="0">
+                <a:ea typeface="Microsoft Sans Serif" panose="020B0604020202020204" pitchFamily="34" charset="0"/>
+              </a:rPr>
+              <a:t/>
+            </a:r>
             <a:br>
-              <a:rPr lang="en-US" altLang="ko-KR" b="1" dirty="0">
+              <a:rPr lang="en-US" altLang="ko-KR" b="1" dirty="0" smtClean="0">
                 <a:ea typeface="Microsoft Sans Serif" panose="020B0604020202020204" pitchFamily="34" charset="0"/>
               </a:rPr>
             </a:br>
+            <a:r>
+              <a:rPr lang="en-US" altLang="ko-KR" b="1" dirty="0" smtClean="0">
+                <a:ea typeface="Microsoft Sans Serif" panose="020B0604020202020204" pitchFamily="34" charset="0"/>
+              </a:rPr>
+              <a:t/>
+            </a:r>
             <a:br>
-              <a:rPr lang="en-US" altLang="ko-KR" b="1" dirty="0">
+              <a:rPr lang="en-US" altLang="ko-KR" b="1" dirty="0" smtClean="0">
                 <a:ea typeface="Microsoft Sans Serif" panose="020B0604020202020204" pitchFamily="34" charset="0"/>
               </a:rPr>
             </a:br>
+            <a:r>
+              <a:rPr lang="en-US" altLang="ko-KR" b="1" dirty="0" smtClean="0">
+                <a:ea typeface="Microsoft Sans Serif" panose="020B0604020202020204" pitchFamily="34" charset="0"/>
+              </a:rPr>
+              <a:t/>
+            </a:r>
             <a:br>
-              <a:rPr lang="en-US" altLang="ko-KR" b="1" dirty="0">
+              <a:rPr lang="en-US" altLang="ko-KR" b="1" dirty="0" smtClean="0">
                 <a:ea typeface="Microsoft Sans Serif" panose="020B0604020202020204" pitchFamily="34" charset="0"/>
               </a:rPr>
             </a:br>
+            <a:r>
+              <a:rPr lang="en-US" altLang="ko-KR" b="1" dirty="0" smtClean="0">
+                <a:ea typeface="Microsoft Sans Serif" panose="020B0604020202020204" pitchFamily="34" charset="0"/>
+              </a:rPr>
+              <a:t/>
+            </a:r>
             <a:br>
-              <a:rPr lang="en-US" altLang="ko-KR" b="1" dirty="0">
+              <a:rPr lang="en-US" altLang="ko-KR" b="1" dirty="0" smtClean="0">
                 <a:ea typeface="Microsoft Sans Serif" panose="020B0604020202020204" pitchFamily="34" charset="0"/>
               </a:rPr>
             </a:br>
+            <a:r>
+              <a:rPr lang="en-US" altLang="ko-KR" b="1" dirty="0" smtClean="0">
+                <a:ea typeface="Microsoft Sans Serif" panose="020B0604020202020204" pitchFamily="34" charset="0"/>
+              </a:rPr>
+              <a:t/>
+            </a:r>
             <a:br>
-              <a:rPr lang="en-US" altLang="ko-KR" b="1" dirty="0">
+              <a:rPr lang="en-US" altLang="ko-KR" b="1" dirty="0" smtClean="0">
                 <a:ea typeface="Microsoft Sans Serif" panose="020B0604020202020204" pitchFamily="34" charset="0"/>
               </a:rPr>
             </a:br>
+            <a:r>
+              <a:rPr lang="en-US" altLang="ko-KR" b="1" dirty="0" smtClean="0">
+                <a:ea typeface="Microsoft Sans Serif" panose="020B0604020202020204" pitchFamily="34" charset="0"/>
+              </a:rPr>
+              <a:t/>
+            </a:r>
             <a:br>
-              <a:rPr lang="en-US" altLang="ko-KR" b="1" dirty="0">
+              <a:rPr lang="en-US" altLang="ko-KR" b="1" dirty="0" smtClean="0">
                 <a:ea typeface="Microsoft Sans Serif" panose="020B0604020202020204" pitchFamily="34" charset="0"/>
               </a:rPr>
             </a:br>
+            <a:r>
+              <a:rPr lang="en-US" altLang="ko-KR" b="1" dirty="0" smtClean="0">
+                <a:ea typeface="Microsoft Sans Serif" panose="020B0604020202020204" pitchFamily="34" charset="0"/>
+              </a:rPr>
+              <a:t/>
+            </a:r>
             <a:br>
-              <a:rPr lang="en-US" altLang="ko-KR" b="1" dirty="0">
+              <a:rPr lang="en-US" altLang="ko-KR" b="1" dirty="0" smtClean="0">
                 <a:ea typeface="Microsoft Sans Serif" panose="020B0604020202020204" pitchFamily="34" charset="0"/>
               </a:rPr>
             </a:br>
+            <a:r>
+              <a:rPr lang="en-US" altLang="ko-KR" b="1" dirty="0" smtClean="0">
+                <a:ea typeface="Microsoft Sans Serif" panose="020B0604020202020204" pitchFamily="34" charset="0"/>
+              </a:rPr>
+              <a:t/>
+            </a:r>
             <a:br>
-              <a:rPr lang="en-US" altLang="ko-KR" b="1" dirty="0">
+              <a:rPr lang="en-US" altLang="ko-KR" b="1" dirty="0" smtClean="0">
                 <a:ea typeface="Microsoft Sans Serif" panose="020B0604020202020204" pitchFamily="34" charset="0"/>
               </a:rPr>
             </a:br>
             <a:r>
-              <a:rPr lang="en-US" altLang="ko-KR" b="1" dirty="0">
+              <a:rPr lang="en-US" altLang="ko-KR" b="1" dirty="0" smtClean="0">
                 <a:ea typeface="Microsoft Sans Serif" panose="020B0604020202020204" pitchFamily="34" charset="0"/>
               </a:rPr>
               <a:t>                                          Figure P3.12</a:t>
             </a:r>
+            <a:endParaRPr lang="en-US" altLang="ko-KR" b="1" dirty="0">
+              <a:ea typeface="Microsoft Sans Serif" panose="020B0604020202020204" pitchFamily="34" charset="0"/>
+            </a:endParaRPr>
           </a:p>
         </p:txBody>
       </p:sp>
@@ -10524,18 +10380,14 @@
   <p:clrMapOvr>
     <a:masterClrMapping/>
   </p:clrMapOvr>
-  <mc:AlternateContent xmlns:mc="http://schemas.openxmlformats.org/markup-compatibility/2006">
-    <mc:Choice xmlns:p159="http://schemas.microsoft.com/office/powerpoint/2015/09/main" Requires="p159">
-      <p:transition>
-        <p159:morph option="byChar"/>
-      </p:transition>
-    </mc:Choice>
-    <mc:Fallback>
-      <p:transition>
-        <p:fade/>
-      </p:transition>
-    </mc:Fallback>
-  </mc:AlternateContent>
+  <p:transition spd="med"/>
+  <p:timing>
+    <p:tnLst>
+      <p:par>
+        <p:cTn id="1" dur="indefinite" restart="never" nodeType="tmRoot"/>
+      </p:par>
+    </p:tnLst>
+  </p:timing>
 </p:sld>
 </file>
 
@@ -10573,10 +10425,10 @@
           <a:p>
             <a:pPr eaLnBrk="1" hangingPunct="1"/>
             <a:r>
-              <a:rPr lang="en-US" altLang="ko-KR" sz="2400" dirty="0"/>
+              <a:rPr lang="en-US" altLang="ko-KR" sz="2400" dirty="0" smtClean="0"/>
               <a:t>Homework #2</a:t>
             </a:r>
-            <a:endParaRPr lang="ko-KR" altLang="en-US" sz="2400" dirty="0"/>
+            <a:endParaRPr lang="ko-KR" altLang="en-US" sz="2400" dirty="0" smtClean="0"/>
           </a:p>
         </p:txBody>
       </p:sp>
@@ -10605,7 +10457,7 @@
               <a:defRPr/>
             </a:pPr>
             <a:r>
-              <a:rPr lang="en-US" altLang="ko-KR" sz="2800" b="1" dirty="0">
+              <a:rPr lang="en-US" altLang="ko-KR" sz="2800" b="1" dirty="0" smtClean="0">
                 <a:solidFill>
                   <a:srgbClr val="0070C0"/>
                 </a:solidFill>
@@ -10620,10 +10472,16 @@
               <a:defRPr/>
             </a:pPr>
             <a:r>
+              <a:rPr lang="en-US" altLang="ko-KR" sz="2800" b="1" dirty="0" smtClean="0">
+                <a:ea typeface="Microsoft Sans Serif" panose="020B0604020202020204" pitchFamily="34" charset="0"/>
+              </a:rPr>
+              <a:t>Determine </a:t>
+            </a:r>
+            <a:r>
               <a:rPr lang="en-US" altLang="ko-KR" sz="2800" b="1" dirty="0">
                 <a:ea typeface="Microsoft Sans Serif" panose="020B0604020202020204" pitchFamily="34" charset="0"/>
               </a:rPr>
-              <a:t>Determine V</a:t>
+              <a:t>V</a:t>
             </a:r>
             <a:r>
               <a:rPr lang="en-US" altLang="ko-KR" sz="2800" b="1" baseline="-25000" dirty="0">
@@ -10645,7 +10503,7 @@
               <a:defRPr/>
             </a:pPr>
             <a:r>
-              <a:rPr lang="en-US" altLang="ko-KR" b="1" dirty="0">
+              <a:rPr lang="en-US" altLang="ko-KR" b="1" dirty="0" smtClean="0">
                 <a:ea typeface="Microsoft Sans Serif" panose="020B0604020202020204" pitchFamily="34" charset="0"/>
               </a:rPr>
               <a:t>Use loop analysis</a:t>
@@ -10658,7 +10516,7 @@
               <a:defRPr/>
             </a:pPr>
             <a:r>
-              <a:rPr lang="en-US" altLang="ko-KR" b="1" dirty="0">
+              <a:rPr lang="en-US" altLang="ko-KR" b="1" dirty="0" smtClean="0">
                 <a:ea typeface="Microsoft Sans Serif" panose="020B0604020202020204" pitchFamily="34" charset="0"/>
               </a:rPr>
               <a:t>Use superposition</a:t>
@@ -10671,7 +10529,7 @@
               <a:defRPr/>
             </a:pPr>
             <a:r>
-              <a:rPr lang="en-US" altLang="ko-KR" b="1" dirty="0">
+              <a:rPr lang="en-US" altLang="ko-KR" b="1" dirty="0" smtClean="0">
                 <a:ea typeface="Microsoft Sans Serif" panose="020B0604020202020204" pitchFamily="34" charset="0"/>
               </a:rPr>
               <a:t>Use Thevenin’s theorem</a:t>
@@ -10682,37 +10540,73 @@
               <a:buNone/>
               <a:defRPr/>
             </a:pPr>
+            <a:r>
+              <a:rPr lang="en-US" altLang="ko-KR" b="1" dirty="0" smtClean="0">
+                <a:ea typeface="Microsoft Sans Serif" panose="020B0604020202020204" pitchFamily="34" charset="0"/>
+              </a:rPr>
+              <a:t/>
+            </a:r>
             <a:br>
-              <a:rPr lang="en-US" altLang="ko-KR" b="1" dirty="0">
+              <a:rPr lang="en-US" altLang="ko-KR" b="1" dirty="0" smtClean="0">
                 <a:ea typeface="Microsoft Sans Serif" panose="020B0604020202020204" pitchFamily="34" charset="0"/>
               </a:rPr>
             </a:br>
+            <a:r>
+              <a:rPr lang="en-US" altLang="ko-KR" b="1" dirty="0" smtClean="0">
+                <a:ea typeface="Microsoft Sans Serif" panose="020B0604020202020204" pitchFamily="34" charset="0"/>
+              </a:rPr>
+              <a:t/>
+            </a:r>
             <a:br>
-              <a:rPr lang="en-US" altLang="ko-KR" b="1" dirty="0">
+              <a:rPr lang="en-US" altLang="ko-KR" b="1" dirty="0" smtClean="0">
                 <a:ea typeface="Microsoft Sans Serif" panose="020B0604020202020204" pitchFamily="34" charset="0"/>
               </a:rPr>
             </a:br>
+            <a:r>
+              <a:rPr lang="en-US" altLang="ko-KR" b="1" dirty="0" smtClean="0">
+                <a:ea typeface="Microsoft Sans Serif" panose="020B0604020202020204" pitchFamily="34" charset="0"/>
+              </a:rPr>
+              <a:t/>
+            </a:r>
             <a:br>
-              <a:rPr lang="en-US" altLang="ko-KR" b="1" dirty="0">
+              <a:rPr lang="en-US" altLang="ko-KR" b="1" dirty="0" smtClean="0">
                 <a:ea typeface="Microsoft Sans Serif" panose="020B0604020202020204" pitchFamily="34" charset="0"/>
               </a:rPr>
             </a:br>
+            <a:r>
+              <a:rPr lang="en-US" altLang="ko-KR" b="1" dirty="0" smtClean="0">
+                <a:ea typeface="Microsoft Sans Serif" panose="020B0604020202020204" pitchFamily="34" charset="0"/>
+              </a:rPr>
+              <a:t/>
+            </a:r>
             <a:br>
-              <a:rPr lang="en-US" altLang="ko-KR" b="1" dirty="0">
+              <a:rPr lang="en-US" altLang="ko-KR" b="1" dirty="0" smtClean="0">
                 <a:ea typeface="Microsoft Sans Serif" panose="020B0604020202020204" pitchFamily="34" charset="0"/>
               </a:rPr>
             </a:br>
+            <a:r>
+              <a:rPr lang="en-US" altLang="ko-KR" b="1" dirty="0" smtClean="0">
+                <a:ea typeface="Microsoft Sans Serif" panose="020B0604020202020204" pitchFamily="34" charset="0"/>
+              </a:rPr>
+              <a:t/>
+            </a:r>
             <a:br>
-              <a:rPr lang="en-US" altLang="ko-KR" b="1" dirty="0">
+              <a:rPr lang="en-US" altLang="ko-KR" b="1" dirty="0" smtClean="0">
                 <a:ea typeface="Microsoft Sans Serif" panose="020B0604020202020204" pitchFamily="34" charset="0"/>
               </a:rPr>
             </a:br>
+            <a:r>
+              <a:rPr lang="en-US" altLang="ko-KR" b="1" dirty="0" smtClean="0">
+                <a:ea typeface="Microsoft Sans Serif" panose="020B0604020202020204" pitchFamily="34" charset="0"/>
+              </a:rPr>
+              <a:t/>
+            </a:r>
             <a:br>
-              <a:rPr lang="en-US" altLang="ko-KR" b="1" dirty="0">
+              <a:rPr lang="en-US" altLang="ko-KR" b="1" dirty="0" smtClean="0">
                 <a:ea typeface="Microsoft Sans Serif" panose="020B0604020202020204" pitchFamily="34" charset="0"/>
               </a:rPr>
             </a:br>
-            <a:endParaRPr lang="en-US" altLang="ko-KR" b="1" dirty="0">
+            <a:endParaRPr lang="en-US" altLang="ko-KR" b="1" dirty="0" smtClean="0">
               <a:ea typeface="Microsoft Sans Serif" panose="020B0604020202020204" pitchFamily="34" charset="0"/>
             </a:endParaRPr>
           </a:p>
@@ -10722,11 +10616,14 @@
               <a:defRPr/>
             </a:pPr>
             <a:r>
-              <a:rPr lang="en-US" altLang="ko-KR" b="1" dirty="0">
+              <a:rPr lang="en-US" altLang="ko-KR" b="1" dirty="0" smtClean="0">
                 <a:ea typeface="Microsoft Sans Serif" panose="020B0604020202020204" pitchFamily="34" charset="0"/>
               </a:rPr>
               <a:t>                                          Figure P3.22</a:t>
             </a:r>
+            <a:endParaRPr lang="en-US" altLang="ko-KR" b="1" dirty="0">
+              <a:ea typeface="Microsoft Sans Serif" panose="020B0604020202020204" pitchFamily="34" charset="0"/>
+            </a:endParaRPr>
           </a:p>
         </p:txBody>
       </p:sp>
@@ -10765,18 +10662,14 @@
   <p:clrMapOvr>
     <a:masterClrMapping/>
   </p:clrMapOvr>
-  <mc:AlternateContent xmlns:mc="http://schemas.openxmlformats.org/markup-compatibility/2006">
-    <mc:Choice xmlns:p159="http://schemas.microsoft.com/office/powerpoint/2015/09/main" Requires="p159">
-      <p:transition>
-        <p159:morph option="byChar"/>
-      </p:transition>
-    </mc:Choice>
-    <mc:Fallback>
-      <p:transition>
-        <p:fade/>
-      </p:transition>
-    </mc:Fallback>
-  </mc:AlternateContent>
+  <p:transition spd="med"/>
+  <p:timing>
+    <p:tnLst>
+      <p:par>
+        <p:cTn id="1" dur="indefinite" restart="never" nodeType="tmRoot"/>
+      </p:par>
+    </p:tnLst>
+  </p:timing>
 </p:sld>
 </file>
 
@@ -10814,10 +10707,10 @@
           <a:p>
             <a:pPr eaLnBrk="1" hangingPunct="1"/>
             <a:r>
-              <a:rPr lang="en-US" altLang="ko-KR" sz="2400" dirty="0"/>
+              <a:rPr lang="en-US" altLang="ko-KR" sz="2400" dirty="0" smtClean="0"/>
               <a:t>Homework #2</a:t>
             </a:r>
-            <a:endParaRPr lang="ko-KR" altLang="en-US" sz="2400" dirty="0"/>
+            <a:endParaRPr lang="ko-KR" altLang="en-US" sz="2400" dirty="0" smtClean="0"/>
           </a:p>
         </p:txBody>
       </p:sp>
@@ -10846,7 +10739,7 @@
               <a:defRPr/>
             </a:pPr>
             <a:r>
-              <a:rPr lang="en-US" altLang="ko-KR" sz="2800" b="1" dirty="0">
+              <a:rPr lang="en-US" altLang="ko-KR" sz="2800" b="1" dirty="0" smtClean="0">
                 <a:solidFill>
                   <a:srgbClr val="0070C0"/>
                 </a:solidFill>
@@ -10865,84 +10758,147 @@
               <a:defRPr/>
             </a:pPr>
             <a:r>
-              <a:rPr lang="en-US" altLang="ko-KR" b="1" dirty="0">
+              <a:rPr lang="en-US" altLang="ko-KR" b="1" dirty="0" smtClean="0">
                 <a:ea typeface="Microsoft Sans Serif" panose="020B0604020202020204" pitchFamily="34" charset="0"/>
               </a:rPr>
               <a:t>Find R</a:t>
             </a:r>
             <a:r>
-              <a:rPr lang="en-US" altLang="ko-KR" b="1" baseline="-25000" dirty="0">
+              <a:rPr lang="en-US" altLang="ko-KR" b="1" baseline="-25000" dirty="0" smtClean="0">
                 <a:ea typeface="Microsoft Sans Serif" panose="020B0604020202020204" pitchFamily="34" charset="0"/>
               </a:rPr>
               <a:t>L</a:t>
             </a:r>
             <a:r>
-              <a:rPr lang="en-US" altLang="ko-KR" b="1" dirty="0">
+              <a:rPr lang="en-US" altLang="ko-KR" b="1" dirty="0" smtClean="0">
                 <a:ea typeface="Microsoft Sans Serif" panose="020B0604020202020204" pitchFamily="34" charset="0"/>
               </a:rPr>
               <a:t> for maximum power transfer and the amount of power transferred in the network in Figure P3.52</a:t>
             </a:r>
             <a:br>
-              <a:rPr lang="en-US" altLang="ko-KR" b="1" dirty="0">
+              <a:rPr lang="en-US" altLang="ko-KR" b="1" dirty="0" smtClean="0">
                 <a:ea typeface="Microsoft Sans Serif" panose="020B0604020202020204" pitchFamily="34" charset="0"/>
               </a:rPr>
             </a:br>
+            <a:r>
+              <a:rPr lang="en-US" altLang="ko-KR" b="1" dirty="0" smtClean="0">
+                <a:ea typeface="Microsoft Sans Serif" panose="020B0604020202020204" pitchFamily="34" charset="0"/>
+              </a:rPr>
+              <a:t/>
+            </a:r>
             <a:br>
-              <a:rPr lang="en-US" altLang="ko-KR" b="1" dirty="0">
+              <a:rPr lang="en-US" altLang="ko-KR" b="1" dirty="0" smtClean="0">
                 <a:ea typeface="Microsoft Sans Serif" panose="020B0604020202020204" pitchFamily="34" charset="0"/>
               </a:rPr>
             </a:br>
+            <a:r>
+              <a:rPr lang="en-US" altLang="ko-KR" b="1" dirty="0" smtClean="0">
+                <a:ea typeface="Microsoft Sans Serif" panose="020B0604020202020204" pitchFamily="34" charset="0"/>
+              </a:rPr>
+              <a:t/>
+            </a:r>
             <a:br>
-              <a:rPr lang="en-US" altLang="ko-KR" b="1" dirty="0">
+              <a:rPr lang="en-US" altLang="ko-KR" b="1" dirty="0" smtClean="0">
                 <a:ea typeface="Microsoft Sans Serif" panose="020B0604020202020204" pitchFamily="34" charset="0"/>
               </a:rPr>
             </a:br>
+            <a:r>
+              <a:rPr lang="en-US" altLang="ko-KR" b="1" dirty="0" smtClean="0">
+                <a:ea typeface="Microsoft Sans Serif" panose="020B0604020202020204" pitchFamily="34" charset="0"/>
+              </a:rPr>
+              <a:t/>
+            </a:r>
             <a:br>
-              <a:rPr lang="en-US" altLang="ko-KR" b="1" dirty="0">
+              <a:rPr lang="en-US" altLang="ko-KR" b="1" dirty="0" smtClean="0">
                 <a:ea typeface="Microsoft Sans Serif" panose="020B0604020202020204" pitchFamily="34" charset="0"/>
               </a:rPr>
             </a:br>
+            <a:r>
+              <a:rPr lang="en-US" altLang="ko-KR" b="1" dirty="0" smtClean="0">
+                <a:ea typeface="Microsoft Sans Serif" panose="020B0604020202020204" pitchFamily="34" charset="0"/>
+              </a:rPr>
+              <a:t/>
+            </a:r>
             <a:br>
-              <a:rPr lang="en-US" altLang="ko-KR" b="1" dirty="0">
+              <a:rPr lang="en-US" altLang="ko-KR" b="1" dirty="0" smtClean="0">
                 <a:ea typeface="Microsoft Sans Serif" panose="020B0604020202020204" pitchFamily="34" charset="0"/>
               </a:rPr>
             </a:br>
+            <a:r>
+              <a:rPr lang="en-US" altLang="ko-KR" b="1" dirty="0" smtClean="0">
+                <a:ea typeface="Microsoft Sans Serif" panose="020B0604020202020204" pitchFamily="34" charset="0"/>
+              </a:rPr>
+              <a:t/>
+            </a:r>
             <a:br>
-              <a:rPr lang="en-US" altLang="ko-KR" b="1" dirty="0">
+              <a:rPr lang="en-US" altLang="ko-KR" b="1" dirty="0" smtClean="0">
                 <a:ea typeface="Microsoft Sans Serif" panose="020B0604020202020204" pitchFamily="34" charset="0"/>
               </a:rPr>
             </a:br>
+            <a:r>
+              <a:rPr lang="en-US" altLang="ko-KR" b="1" dirty="0" smtClean="0">
+                <a:ea typeface="Microsoft Sans Serif" panose="020B0604020202020204" pitchFamily="34" charset="0"/>
+              </a:rPr>
+              <a:t/>
+            </a:r>
             <a:br>
-              <a:rPr lang="en-US" altLang="ko-KR" b="1" dirty="0">
+              <a:rPr lang="en-US" altLang="ko-KR" b="1" dirty="0" smtClean="0">
                 <a:ea typeface="Microsoft Sans Serif" panose="020B0604020202020204" pitchFamily="34" charset="0"/>
               </a:rPr>
             </a:br>
+            <a:r>
+              <a:rPr lang="en-US" altLang="ko-KR" b="1" dirty="0" smtClean="0">
+                <a:ea typeface="Microsoft Sans Serif" panose="020B0604020202020204" pitchFamily="34" charset="0"/>
+              </a:rPr>
+              <a:t/>
+            </a:r>
             <a:br>
-              <a:rPr lang="en-US" altLang="ko-KR" b="1" dirty="0">
+              <a:rPr lang="en-US" altLang="ko-KR" b="1" dirty="0" smtClean="0">
                 <a:ea typeface="Microsoft Sans Serif" panose="020B0604020202020204" pitchFamily="34" charset="0"/>
               </a:rPr>
             </a:br>
+            <a:r>
+              <a:rPr lang="en-US" altLang="ko-KR" b="1" dirty="0" smtClean="0">
+                <a:ea typeface="Microsoft Sans Serif" panose="020B0604020202020204" pitchFamily="34" charset="0"/>
+              </a:rPr>
+              <a:t/>
+            </a:r>
             <a:br>
-              <a:rPr lang="en-US" altLang="ko-KR" b="1" dirty="0">
+              <a:rPr lang="en-US" altLang="ko-KR" b="1" dirty="0" smtClean="0">
                 <a:ea typeface="Microsoft Sans Serif" panose="020B0604020202020204" pitchFamily="34" charset="0"/>
               </a:rPr>
             </a:br>
+            <a:r>
+              <a:rPr lang="en-US" altLang="ko-KR" b="1" dirty="0" smtClean="0">
+                <a:ea typeface="Microsoft Sans Serif" panose="020B0604020202020204" pitchFamily="34" charset="0"/>
+              </a:rPr>
+              <a:t/>
+            </a:r>
             <a:br>
-              <a:rPr lang="en-US" altLang="ko-KR" b="1" dirty="0">
+              <a:rPr lang="en-US" altLang="ko-KR" b="1" dirty="0" smtClean="0">
                 <a:ea typeface="Microsoft Sans Serif" panose="020B0604020202020204" pitchFamily="34" charset="0"/>
               </a:rPr>
             </a:br>
+            <a:r>
+              <a:rPr lang="en-US" altLang="ko-KR" b="1" dirty="0" smtClean="0">
+                <a:ea typeface="Microsoft Sans Serif" panose="020B0604020202020204" pitchFamily="34" charset="0"/>
+              </a:rPr>
+              <a:t/>
+            </a:r>
             <a:br>
-              <a:rPr lang="en-US" altLang="ko-KR" b="1" dirty="0">
+              <a:rPr lang="en-US" altLang="ko-KR" b="1" dirty="0" smtClean="0">
                 <a:ea typeface="Microsoft Sans Serif" panose="020B0604020202020204" pitchFamily="34" charset="0"/>
               </a:rPr>
             </a:br>
             <a:r>
-              <a:rPr lang="en-US" altLang="ko-KR" b="1" dirty="0">
+              <a:rPr lang="en-US" altLang="ko-KR" b="1" dirty="0" smtClean="0">
                 <a:ea typeface="Microsoft Sans Serif" panose="020B0604020202020204" pitchFamily="34" charset="0"/>
               </a:rPr>
               <a:t>                                          Figure P3.52</a:t>
             </a:r>
+            <a:endParaRPr lang="en-US" altLang="ko-KR" b="1" dirty="0">
+              <a:ea typeface="Microsoft Sans Serif" panose="020B0604020202020204" pitchFamily="34" charset="0"/>
+            </a:endParaRPr>
           </a:p>
         </p:txBody>
       </p:sp>
@@ -10986,18 +10942,14 @@
   <p:clrMapOvr>
     <a:masterClrMapping/>
   </p:clrMapOvr>
-  <mc:AlternateContent xmlns:mc="http://schemas.openxmlformats.org/markup-compatibility/2006">
-    <mc:Choice xmlns:p159="http://schemas.microsoft.com/office/powerpoint/2015/09/main" Requires="p159">
-      <p:transition>
-        <p159:morph option="byChar"/>
-      </p:transition>
-    </mc:Choice>
-    <mc:Fallback>
-      <p:transition>
-        <p:fade/>
-      </p:transition>
-    </mc:Fallback>
-  </mc:AlternateContent>
+  <p:transition spd="med"/>
+  <p:timing>
+    <p:tnLst>
+      <p:par>
+        <p:cTn id="1" dur="indefinite" restart="never" nodeType="tmRoot"/>
+      </p:par>
+    </p:tnLst>
+  </p:timing>
 </p:sld>
 </file>
 
